--- a/presentations/3 - Azure Security & Tools.pptx
+++ b/presentations/3 - Azure Security & Tools.pptx
@@ -5,42 +5,41 @@
     <p:sldMasterId id="2147483673" r:id="rId4"/>
   </p:sldMasterIdLst>
   <p:notesMasterIdLst>
-    <p:notesMasterId r:id="rId38"/>
+    <p:notesMasterId r:id="rId37"/>
   </p:notesMasterIdLst>
   <p:sldIdLst>
     <p:sldId id="257" r:id="rId5"/>
-    <p:sldId id="258" r:id="rId6"/>
-    <p:sldId id="260" r:id="rId7"/>
-    <p:sldId id="268" r:id="rId8"/>
-    <p:sldId id="259" r:id="rId9"/>
-    <p:sldId id="289" r:id="rId10"/>
-    <p:sldId id="288" r:id="rId11"/>
-    <p:sldId id="290" r:id="rId12"/>
-    <p:sldId id="291" r:id="rId13"/>
-    <p:sldId id="261" r:id="rId14"/>
-    <p:sldId id="267" r:id="rId15"/>
-    <p:sldId id="284" r:id="rId16"/>
-    <p:sldId id="315" r:id="rId17"/>
-    <p:sldId id="262" r:id="rId18"/>
-    <p:sldId id="285" r:id="rId19"/>
-    <p:sldId id="286" r:id="rId20"/>
-    <p:sldId id="287" r:id="rId21"/>
-    <p:sldId id="269" r:id="rId22"/>
-    <p:sldId id="270" r:id="rId23"/>
-    <p:sldId id="271" r:id="rId24"/>
-    <p:sldId id="292" r:id="rId25"/>
-    <p:sldId id="314" r:id="rId26"/>
-    <p:sldId id="293" r:id="rId27"/>
-    <p:sldId id="294" r:id="rId28"/>
-    <p:sldId id="295" r:id="rId29"/>
-    <p:sldId id="297" r:id="rId30"/>
-    <p:sldId id="298" r:id="rId31"/>
-    <p:sldId id="273" r:id="rId32"/>
-    <p:sldId id="274" r:id="rId33"/>
-    <p:sldId id="272" r:id="rId34"/>
-    <p:sldId id="299" r:id="rId35"/>
-    <p:sldId id="300" r:id="rId36"/>
-    <p:sldId id="301" r:id="rId37"/>
+    <p:sldId id="260" r:id="rId6"/>
+    <p:sldId id="268" r:id="rId7"/>
+    <p:sldId id="259" r:id="rId8"/>
+    <p:sldId id="289" r:id="rId9"/>
+    <p:sldId id="288" r:id="rId10"/>
+    <p:sldId id="290" r:id="rId11"/>
+    <p:sldId id="291" r:id="rId12"/>
+    <p:sldId id="261" r:id="rId13"/>
+    <p:sldId id="267" r:id="rId14"/>
+    <p:sldId id="284" r:id="rId15"/>
+    <p:sldId id="315" r:id="rId16"/>
+    <p:sldId id="262" r:id="rId17"/>
+    <p:sldId id="285" r:id="rId18"/>
+    <p:sldId id="286" r:id="rId19"/>
+    <p:sldId id="287" r:id="rId20"/>
+    <p:sldId id="269" r:id="rId21"/>
+    <p:sldId id="270" r:id="rId22"/>
+    <p:sldId id="271" r:id="rId23"/>
+    <p:sldId id="292" r:id="rId24"/>
+    <p:sldId id="314" r:id="rId25"/>
+    <p:sldId id="293" r:id="rId26"/>
+    <p:sldId id="294" r:id="rId27"/>
+    <p:sldId id="295" r:id="rId28"/>
+    <p:sldId id="297" r:id="rId29"/>
+    <p:sldId id="298" r:id="rId30"/>
+    <p:sldId id="273" r:id="rId31"/>
+    <p:sldId id="274" r:id="rId32"/>
+    <p:sldId id="272" r:id="rId33"/>
+    <p:sldId id="299" r:id="rId34"/>
+    <p:sldId id="300" r:id="rId35"/>
+    <p:sldId id="301" r:id="rId36"/>
   </p:sldIdLst>
   <p:sldSz cx="12192000" cy="6858000"/>
   <p:notesSz cx="6858000" cy="9144000"/>
@@ -229,7 +228,7 @@
           <a:p>
             <a:fld id="{7A6F1214-B825-46D1-9142-1FABE862C7C8}" type="datetimeFigureOut">
               <a:rPr lang="pl-PL" smtClean="0"/>
-              <a:t>27.05.2021</a:t>
+              <a:t>07.06.2021</a:t>
             </a:fld>
             <a:endParaRPr lang="pl-PL"/>
           </a:p>
@@ -562,7 +561,7 @@
           <a:p>
             <a:fld id="{6E3D1C26-421B-4DE2-8E11-93CC1C2D7D9C}" type="slidenum">
               <a:rPr lang="pl-PL" smtClean="0"/>
-              <a:t>4</a:t>
+              <a:t>3</a:t>
             </a:fld>
             <a:endParaRPr lang="pl-PL"/>
           </a:p>
@@ -646,7 +645,7 @@
           <a:p>
             <a:fld id="{6E3D1C26-421B-4DE2-8E11-93CC1C2D7D9C}" type="slidenum">
               <a:rPr lang="pl-PL" smtClean="0"/>
-              <a:t>11</a:t>
+              <a:t>10</a:t>
             </a:fld>
             <a:endParaRPr lang="pl-PL"/>
           </a:p>
@@ -730,7 +729,7 @@
           <a:p>
             <a:fld id="{6E3D1C26-421B-4DE2-8E11-93CC1C2D7D9C}" type="slidenum">
               <a:rPr lang="pl-PL" smtClean="0"/>
-              <a:t>19</a:t>
+              <a:t>18</a:t>
             </a:fld>
             <a:endParaRPr lang="pl-PL"/>
           </a:p>
@@ -814,7 +813,7 @@
           <a:p>
             <a:fld id="{6E3D1C26-421B-4DE2-8E11-93CC1C2D7D9C}" type="slidenum">
               <a:rPr lang="pl-PL" smtClean="0"/>
-              <a:t>29</a:t>
+              <a:t>28</a:t>
             </a:fld>
             <a:endParaRPr lang="pl-PL"/>
           </a:p>
@@ -1302,7 +1301,7 @@
           <a:p>
             <a:fld id="{EA0C0817-A112-4847-8014-A94B7D2A4EA3}" type="datetime1">
               <a:rPr lang="en-US" smtClean="0"/>
-              <a:t>5/27/2021</a:t>
+              <a:t>6/7/2021</a:t>
             </a:fld>
             <a:endParaRPr lang="en-US" dirty="0"/>
           </a:p>
@@ -1504,7 +1503,7 @@
           <a:p>
             <a:fld id="{7332B432-ACDA-4023-A761-2BAB76577B62}" type="datetime1">
               <a:rPr lang="en-US" smtClean="0"/>
-              <a:t>5/27/2021</a:t>
+              <a:t>6/7/2021</a:t>
             </a:fld>
             <a:endParaRPr lang="en-US" dirty="0"/>
           </a:p>
@@ -2103,7 +2102,7 @@
           <a:p>
             <a:fld id="{D9C646AA-F36E-4540-911D-FFFC0A0EF24A}" type="datetime1">
               <a:rPr lang="en-US" smtClean="0"/>
-              <a:t>5/27/2021</a:t>
+              <a:t>6/7/2021</a:t>
             </a:fld>
             <a:endParaRPr lang="en-US" dirty="0"/>
           </a:p>
@@ -2423,7 +2422,7 @@
           <a:p>
             <a:fld id="{69186D26-FA5F-4637-B602-B7C2DC34CFD4}" type="datetime1">
               <a:rPr lang="en-US" smtClean="0"/>
-              <a:t>5/27/2021</a:t>
+              <a:t>6/7/2021</a:t>
             </a:fld>
             <a:endParaRPr lang="en-US" dirty="0"/>
           </a:p>
@@ -2860,7 +2859,7 @@
           <a:p>
             <a:fld id="{8A7F15D8-96D1-4781-BC50-CA8A088B2FE4}" type="datetime1">
               <a:rPr lang="en-US" smtClean="0"/>
-              <a:t>5/27/2021</a:t>
+              <a:t>6/7/2021</a:t>
             </a:fld>
             <a:endParaRPr lang="en-US" dirty="0"/>
           </a:p>
@@ -2978,7 +2977,7 @@
           <a:p>
             <a:fld id="{F9A96C99-B8F8-4528-BD05-0E16E943DC09}" type="datetime1">
               <a:rPr lang="en-US" smtClean="0"/>
-              <a:t>5/27/2021</a:t>
+              <a:t>6/7/2021</a:t>
             </a:fld>
             <a:endParaRPr lang="en-US" dirty="0"/>
           </a:p>
@@ -3073,7 +3072,7 @@
           <a:p>
             <a:fld id="{03636942-C211-4B28-8DBD-C953E00AF71B}" type="datetime1">
               <a:rPr lang="en-US" smtClean="0"/>
-              <a:t>5/27/2021</a:t>
+              <a:t>6/7/2021</a:t>
             </a:fld>
             <a:endParaRPr lang="en-US" dirty="0"/>
           </a:p>
@@ -3490,7 +3489,7 @@
           <a:p>
             <a:fld id="{7E8D12A6-918A-48BD-8CB9-CA713993B0EA}" type="datetime1">
               <a:rPr lang="en-US" smtClean="0"/>
-              <a:t>5/27/2021</a:t>
+              <a:t>6/7/2021</a:t>
             </a:fld>
             <a:endParaRPr lang="en-US" dirty="0"/>
           </a:p>
@@ -3752,7 +3751,7 @@
             <a:fld id="{E778CE86-875F-4587-BCF6-FA054AFC0D53}" type="datetime1">
               <a:rPr lang="en-US" smtClean="0"/>
               <a:pPr/>
-              <a:t>5/27/2021</a:t>
+              <a:t>6/7/2021</a:t>
             </a:fld>
             <a:endParaRPr lang="en-US" dirty="0"/>
           </a:p>
@@ -4268,7 +4267,7 @@
           <a:p>
             <a:fld id="{F6FA2B21-3FCD-4721-B95C-427943F61125}" type="datetime1">
               <a:rPr lang="en-US" smtClean="0"/>
-              <a:t>5/27/2021</a:t>
+              <a:t>6/7/2021</a:t>
             </a:fld>
             <a:endParaRPr lang="en-US" dirty="0"/>
           </a:p>
@@ -4992,89 +4991,6 @@
       </p:grpSpPr>
       <p:sp>
         <p:nvSpPr>
-          <p:cNvPr id="2" name="Title 1">
-            <a:extLst>
-              <a:ext uri="{FF2B5EF4-FFF2-40B4-BE49-F238E27FC236}">
-                <a16:creationId xmlns:a16="http://schemas.microsoft.com/office/drawing/2014/main" id="{ACD4D71D-C98A-41A3-A510-705F20250839}"/>
-              </a:ext>
-            </a:extLst>
-          </p:cNvPr>
-          <p:cNvSpPr>
-            <a:spLocks noGrp="1"/>
-          </p:cNvSpPr>
-          <p:nvPr>
-            <p:ph type="title"/>
-          </p:nvPr>
-        </p:nvSpPr>
-        <p:spPr/>
-        <p:txBody>
-          <a:bodyPr/>
-          <a:lstStyle/>
-          <a:p>
-            <a:r>
-              <a:rPr lang="pl-PL" dirty="0"/>
-              <a:t>Databases</a:t>
-            </a:r>
-          </a:p>
-        </p:txBody>
-      </p:sp>
-      <p:sp>
-        <p:nvSpPr>
-          <p:cNvPr id="3" name="Text Placeholder 2">
-            <a:extLst>
-              <a:ext uri="{FF2B5EF4-FFF2-40B4-BE49-F238E27FC236}">
-                <a16:creationId xmlns:a16="http://schemas.microsoft.com/office/drawing/2014/main" id="{95A9AE80-FEF0-4862-94F2-882F826C199E}"/>
-              </a:ext>
-            </a:extLst>
-          </p:cNvPr>
-          <p:cNvSpPr>
-            <a:spLocks noGrp="1"/>
-          </p:cNvSpPr>
-          <p:nvPr>
-            <p:ph type="body" idx="1"/>
-          </p:nvPr>
-        </p:nvSpPr>
-        <p:spPr/>
-        <p:txBody>
-          <a:bodyPr/>
-          <a:lstStyle/>
-          <a:p>
-            <a:endParaRPr lang="pl-PL"/>
-          </a:p>
-        </p:txBody>
-      </p:sp>
-    </p:spTree>
-    <p:extLst>
-      <p:ext uri="{BB962C8B-B14F-4D97-AF65-F5344CB8AC3E}">
-        <p14:creationId xmlns:p14="http://schemas.microsoft.com/office/powerpoint/2010/main" val="1400371646"/>
-      </p:ext>
-    </p:extLst>
-  </p:cSld>
-  <p:clrMapOvr>
-    <a:masterClrMapping/>
-  </p:clrMapOvr>
-</p:sld>
-</file>
-
-<file path=ppt/slides/slide11.xml><?xml version="1.0" encoding="utf-8"?>
-<p:sld xmlns:a="http://schemas.openxmlformats.org/drawingml/2006/main" xmlns:r="http://schemas.openxmlformats.org/officeDocument/2006/relationships" xmlns:p="http://schemas.openxmlformats.org/presentationml/2006/main">
-  <p:cSld>
-    <p:spTree>
-      <p:nvGrpSpPr>
-        <p:cNvPr id="1" name=""/>
-        <p:cNvGrpSpPr/>
-        <p:nvPr/>
-      </p:nvGrpSpPr>
-      <p:grpSpPr>
-        <a:xfrm>
-          <a:off x="0" y="0"/>
-          <a:ext cx="0" cy="0"/>
-          <a:chOff x="0" y="0"/>
-          <a:chExt cx="0" cy="0"/>
-        </a:xfrm>
-      </p:grpSpPr>
-      <p:sp>
-        <p:nvSpPr>
           <p:cNvPr id="4" name="Rectangle: Rounded Corners 12">
             <a:extLst>
               <a:ext uri="{FF2B5EF4-FFF2-40B4-BE49-F238E27FC236}">
@@ -5382,7 +5298,7 @@
 </p:sld>
 </file>
 
-<file path=ppt/slides/slide12.xml><?xml version="1.0" encoding="utf-8"?>
+<file path=ppt/slides/slide11.xml><?xml version="1.0" encoding="utf-8"?>
 <p:sld xmlns:a="http://schemas.openxmlformats.org/drawingml/2006/main" xmlns:r="http://schemas.openxmlformats.org/officeDocument/2006/relationships" xmlns:p="http://schemas.openxmlformats.org/presentationml/2006/main">
   <p:cSld>
     <p:spTree>
@@ -5675,7 +5591,7 @@
 </p:sld>
 </file>
 
-<file path=ppt/slides/slide13.xml><?xml version="1.0" encoding="utf-8"?>
+<file path=ppt/slides/slide12.xml><?xml version="1.0" encoding="utf-8"?>
 <p:sld xmlns:a="http://schemas.openxmlformats.org/drawingml/2006/main" xmlns:r="http://schemas.openxmlformats.org/officeDocument/2006/relationships" xmlns:p="http://schemas.openxmlformats.org/presentationml/2006/main">
   <p:cSld>
     <p:spTree>
@@ -6016,7 +5932,7 @@
 </p:sld>
 </file>
 
-<file path=ppt/slides/slide14.xml><?xml version="1.0" encoding="utf-8"?>
+<file path=ppt/slides/slide13.xml><?xml version="1.0" encoding="utf-8"?>
 <p:sld xmlns:a="http://schemas.openxmlformats.org/drawingml/2006/main" xmlns:r="http://schemas.openxmlformats.org/officeDocument/2006/relationships" xmlns:p="http://schemas.openxmlformats.org/presentationml/2006/main">
   <p:cSld>
     <p:spTree>
@@ -6198,7 +6114,7 @@
 </p:sld>
 </file>
 
-<file path=ppt/slides/slide15.xml><?xml version="1.0" encoding="utf-8"?>
+<file path=ppt/slides/slide14.xml><?xml version="1.0" encoding="utf-8"?>
 <p:sld xmlns:a="http://schemas.openxmlformats.org/drawingml/2006/main" xmlns:r="http://schemas.openxmlformats.org/officeDocument/2006/relationships" xmlns:p="http://schemas.openxmlformats.org/presentationml/2006/main">
   <p:cSld>
     <p:spTree>
@@ -6469,7 +6385,7 @@
 </p:sld>
 </file>
 
-<file path=ppt/slides/slide16.xml><?xml version="1.0" encoding="utf-8"?>
+<file path=ppt/slides/slide15.xml><?xml version="1.0" encoding="utf-8"?>
 <p:sld xmlns:a="http://schemas.openxmlformats.org/drawingml/2006/main" xmlns:r="http://schemas.openxmlformats.org/officeDocument/2006/relationships" xmlns:p="http://schemas.openxmlformats.org/presentationml/2006/main">
   <p:cSld>
     <p:spTree>
@@ -6777,7 +6693,7 @@
 </p:sld>
 </file>
 
-<file path=ppt/slides/slide17.xml><?xml version="1.0" encoding="utf-8"?>
+<file path=ppt/slides/slide16.xml><?xml version="1.0" encoding="utf-8"?>
 <p:sld xmlns:a="http://schemas.openxmlformats.org/drawingml/2006/main" xmlns:r="http://schemas.openxmlformats.org/officeDocument/2006/relationships" xmlns:p="http://schemas.openxmlformats.org/presentationml/2006/main">
   <p:cSld>
     <p:spTree>
@@ -7110,7 +7026,7 @@
 </p:sld>
 </file>
 
-<file path=ppt/slides/slide18.xml><?xml version="1.0" encoding="utf-8"?>
+<file path=ppt/slides/slide17.xml><?xml version="1.0" encoding="utf-8"?>
 <p:sld xmlns:a="http://schemas.openxmlformats.org/drawingml/2006/main" xmlns:r="http://schemas.openxmlformats.org/officeDocument/2006/relationships" xmlns:p="http://schemas.openxmlformats.org/presentationml/2006/main">
   <p:cSld>
     <p:spTree>
@@ -7193,7 +7109,7 @@
 </p:sld>
 </file>
 
-<file path=ppt/slides/slide19.xml><?xml version="1.0" encoding="utf-8"?>
+<file path=ppt/slides/slide18.xml><?xml version="1.0" encoding="utf-8"?>
 <p:sld xmlns:a="http://schemas.openxmlformats.org/drawingml/2006/main" xmlns:r="http://schemas.openxmlformats.org/officeDocument/2006/relationships" xmlns:p="http://schemas.openxmlformats.org/presentationml/2006/main">
   <p:cSld>
     <p:spTree>
@@ -7459,313 +7375,7 @@
 </p:sld>
 </file>
 
-<file path=ppt/slides/slide2.xml><?xml version="1.0" encoding="utf-8"?>
-<p:sld xmlns:a="http://schemas.openxmlformats.org/drawingml/2006/main" xmlns:r="http://schemas.openxmlformats.org/officeDocument/2006/relationships" xmlns:p="http://schemas.openxmlformats.org/presentationml/2006/main">
-  <p:cSld>
-    <p:spTree>
-      <p:nvGrpSpPr>
-        <p:cNvPr id="1" name=""/>
-        <p:cNvGrpSpPr/>
-        <p:nvPr/>
-      </p:nvGrpSpPr>
-      <p:grpSpPr>
-        <a:xfrm>
-          <a:off x="0" y="0"/>
-          <a:ext cx="0" cy="0"/>
-          <a:chOff x="0" y="0"/>
-          <a:chExt cx="0" cy="0"/>
-        </a:xfrm>
-      </p:grpSpPr>
-      <p:sp>
-        <p:nvSpPr>
-          <p:cNvPr id="2" name="Title 1">
-            <a:extLst>
-              <a:ext uri="{FF2B5EF4-FFF2-40B4-BE49-F238E27FC236}">
-                <a16:creationId xmlns:a16="http://schemas.microsoft.com/office/drawing/2014/main" id="{0682C838-98B0-49DB-8295-7C9C9A4F0329}"/>
-              </a:ext>
-            </a:extLst>
-          </p:cNvPr>
-          <p:cNvSpPr>
-            <a:spLocks noGrp="1"/>
-          </p:cNvSpPr>
-          <p:nvPr>
-            <p:ph type="title"/>
-          </p:nvPr>
-        </p:nvSpPr>
-        <p:spPr/>
-        <p:txBody>
-          <a:bodyPr/>
-          <a:lstStyle/>
-          <a:p>
-            <a:r>
-              <a:rPr lang="pl-PL" dirty="0"/>
-              <a:t>Windows Virtual Desktop</a:t>
-            </a:r>
-          </a:p>
-        </p:txBody>
-      </p:sp>
-      <p:sp>
-        <p:nvSpPr>
-          <p:cNvPr id="3" name="Content Placeholder 2">
-            <a:extLst>
-              <a:ext uri="{FF2B5EF4-FFF2-40B4-BE49-F238E27FC236}">
-                <a16:creationId xmlns:a16="http://schemas.microsoft.com/office/drawing/2014/main" id="{DB68FD0E-2FCF-4BD5-85F6-8DF931F0B86A}"/>
-              </a:ext>
-            </a:extLst>
-          </p:cNvPr>
-          <p:cNvSpPr>
-            <a:spLocks noGrp="1"/>
-          </p:cNvSpPr>
-          <p:nvPr>
-            <p:ph idx="1"/>
-          </p:nvPr>
-        </p:nvSpPr>
-        <p:spPr>
-          <a:xfrm>
-            <a:off x="1066800" y="2103120"/>
-            <a:ext cx="5029200" cy="3849624"/>
-          </a:xfrm>
-        </p:spPr>
-        <p:txBody>
-          <a:bodyPr>
-            <a:normAutofit/>
-          </a:bodyPr>
-          <a:lstStyle/>
-          <a:p>
-            <a:pPr algn="l"/>
-            <a:r>
-              <a:rPr lang="pl-PL" b="0" i="0" dirty="0">
-                <a:solidFill>
-                  <a:srgbClr val="171717"/>
-                </a:solidFill>
-                <a:effectLst/>
-                <a:latin typeface="Segoe UI" panose="020B0502040204020203" pitchFamily="34" charset="0"/>
-              </a:rPr>
-              <a:t>Windows Virtual Desktop to usługa wirtualizacji pulpitu i aplikacji, która działa w chmurze. Windows Virtual Desktop na platformie </a:t>
-            </a:r>
-            <a:r>
-              <a:rPr lang="pl-PL" b="0" i="0" dirty="0" err="1">
-                <a:solidFill>
-                  <a:srgbClr val="171717"/>
-                </a:solidFill>
-                <a:effectLst/>
-                <a:latin typeface="Segoe UI" panose="020B0502040204020203" pitchFamily="34" charset="0"/>
-              </a:rPr>
-              <a:t>Azure</a:t>
-            </a:r>
-            <a:r>
-              <a:rPr lang="pl-PL" b="0" i="0" dirty="0">
-                <a:solidFill>
-                  <a:srgbClr val="171717"/>
-                </a:solidFill>
-                <a:effectLst/>
-                <a:latin typeface="Segoe UI" panose="020B0502040204020203" pitchFamily="34" charset="0"/>
-              </a:rPr>
-              <a:t> oferuje:</a:t>
-            </a:r>
-          </a:p>
-          <a:p>
-            <a:pPr lvl="1">
-              <a:buFont typeface="Arial" panose="020B0604020202020204" pitchFamily="34" charset="0"/>
-              <a:buChar char="•"/>
-            </a:pPr>
-            <a:r>
-              <a:rPr lang="pl-PL" b="0" i="0" dirty="0">
-                <a:solidFill>
-                  <a:srgbClr val="171717"/>
-                </a:solidFill>
-                <a:effectLst/>
-                <a:latin typeface="Segoe UI" panose="020B0502040204020203" pitchFamily="34" charset="0"/>
-              </a:rPr>
-              <a:t>Konfigurowanie wdrożenia wielosesyjnego Windows 10, które zapewnia pełną Windows 10 skalowalność</a:t>
-            </a:r>
-          </a:p>
-          <a:p>
-            <a:pPr lvl="1">
-              <a:buFont typeface="Arial" panose="020B0604020202020204" pitchFamily="34" charset="0"/>
-              <a:buChar char="•"/>
-            </a:pPr>
-            <a:r>
-              <a:rPr lang="pl-PL" b="0" i="0" dirty="0">
-                <a:solidFill>
-                  <a:srgbClr val="171717"/>
-                </a:solidFill>
-                <a:effectLst/>
-                <a:latin typeface="Segoe UI" panose="020B0502040204020203" pitchFamily="34" charset="0"/>
-              </a:rPr>
-              <a:t>Wirtualizacja usługi Microsoft 365 </a:t>
-            </a:r>
-            <a:r>
-              <a:rPr lang="pl-PL" b="0" i="0" dirty="0" err="1">
-                <a:solidFill>
-                  <a:srgbClr val="171717"/>
-                </a:solidFill>
-                <a:effectLst/>
-                <a:latin typeface="Segoe UI" panose="020B0502040204020203" pitchFamily="34" charset="0"/>
-              </a:rPr>
-              <a:t>Apps</a:t>
-            </a:r>
-            <a:r>
-              <a:rPr lang="pl-PL" b="0" i="0" dirty="0">
-                <a:solidFill>
-                  <a:srgbClr val="171717"/>
-                </a:solidFill>
-                <a:effectLst/>
-                <a:latin typeface="Segoe UI" panose="020B0502040204020203" pitchFamily="34" charset="0"/>
-              </a:rPr>
-              <a:t> dla przedsiębiorstw i optymalizowanie jej pod kątem uruchamiania w scenariuszach wirtualnych z wieloma użytkownikami</a:t>
-            </a:r>
-          </a:p>
-          <a:p>
-            <a:pPr lvl="1">
-              <a:buFont typeface="Arial" panose="020B0604020202020204" pitchFamily="34" charset="0"/>
-              <a:buChar char="•"/>
-            </a:pPr>
-            <a:r>
-              <a:rPr lang="pl-PL" b="0" i="0" dirty="0">
-                <a:solidFill>
-                  <a:srgbClr val="171717"/>
-                </a:solidFill>
-                <a:effectLst/>
-                <a:latin typeface="Segoe UI" panose="020B0502040204020203" pitchFamily="34" charset="0"/>
-              </a:rPr>
-              <a:t>Udostępnij pulpity wirtualne systemu Windows 7 z bezpłatnymi rozszerzonymi aktualizacjami zabezpieczeń</a:t>
-            </a:r>
-          </a:p>
-          <a:p>
-            <a:pPr lvl="1">
-              <a:buFont typeface="Arial" panose="020B0604020202020204" pitchFamily="34" charset="0"/>
-              <a:buChar char="•"/>
-            </a:pPr>
-            <a:r>
-              <a:rPr lang="pl-PL" b="0" i="0" dirty="0">
-                <a:solidFill>
-                  <a:srgbClr val="171717"/>
-                </a:solidFill>
-                <a:effectLst/>
-                <a:latin typeface="Segoe UI" panose="020B0502040204020203" pitchFamily="34" charset="0"/>
-              </a:rPr>
-              <a:t>Usługi pulpitu zdalnego (RDS) i aplikacje Windows Server na każdym komputerze</a:t>
-            </a:r>
-          </a:p>
-          <a:p>
-            <a:pPr lvl="1">
-              <a:buFont typeface="Arial" panose="020B0604020202020204" pitchFamily="34" charset="0"/>
-              <a:buChar char="•"/>
-            </a:pPr>
-            <a:r>
-              <a:rPr lang="pl-PL" b="0" i="0" dirty="0">
-                <a:solidFill>
-                  <a:srgbClr val="171717"/>
-                </a:solidFill>
-                <a:effectLst/>
-                <a:latin typeface="Segoe UI" panose="020B0502040204020203" pitchFamily="34" charset="0"/>
-              </a:rPr>
-              <a:t>Wirtualizacja komputerów stacjonarnych i aplikacji</a:t>
-            </a:r>
-          </a:p>
-          <a:p>
-            <a:pPr lvl="1">
-              <a:buFont typeface="Arial" panose="020B0604020202020204" pitchFamily="34" charset="0"/>
-              <a:buChar char="•"/>
-            </a:pPr>
-            <a:r>
-              <a:rPr lang="pl-PL" b="0" i="0" dirty="0">
-                <a:solidFill>
-                  <a:srgbClr val="171717"/>
-                </a:solidFill>
-                <a:effectLst/>
-                <a:latin typeface="Segoe UI" panose="020B0502040204020203" pitchFamily="34" charset="0"/>
-              </a:rPr>
-              <a:t>Zarządzanie Windows 10, </a:t>
-            </a:r>
-            <a:r>
-              <a:rPr lang="pl-PL" b="0" i="0" dirty="0" err="1">
-                <a:solidFill>
-                  <a:srgbClr val="171717"/>
-                </a:solidFill>
-                <a:effectLst/>
-                <a:latin typeface="Segoe UI" panose="020B0502040204020203" pitchFamily="34" charset="0"/>
-              </a:rPr>
-              <a:t>windows</a:t>
-            </a:r>
-            <a:r>
-              <a:rPr lang="pl-PL" b="0" i="0" dirty="0">
-                <a:solidFill>
-                  <a:srgbClr val="171717"/>
-                </a:solidFill>
-                <a:effectLst/>
-                <a:latin typeface="Segoe UI" panose="020B0502040204020203" pitchFamily="34" charset="0"/>
-              </a:rPr>
-              <a:t> Server oraz aplikacjami i pulpitami systemu Windows 7 za pomocą ujednoliconego zarządzania</a:t>
-            </a:r>
-          </a:p>
-          <a:p>
-            <a:endParaRPr lang="pl-PL" dirty="0"/>
-          </a:p>
-        </p:txBody>
-      </p:sp>
-      <p:pic>
-        <p:nvPicPr>
-          <p:cNvPr id="1026" name="Picture 2" descr="Cennik usługi Windows Virtual Desktop | Microsoft Azure">
-            <a:extLst>
-              <a:ext uri="{FF2B5EF4-FFF2-40B4-BE49-F238E27FC236}">
-                <a16:creationId xmlns:a16="http://schemas.microsoft.com/office/drawing/2014/main" id="{3E1B362E-7382-4A3A-B9CF-75BB8F897AF1}"/>
-              </a:ext>
-            </a:extLst>
-          </p:cNvPr>
-          <p:cNvPicPr>
-            <a:picLocks noChangeAspect="1" noChangeArrowheads="1"/>
-          </p:cNvPicPr>
-          <p:nvPr/>
-        </p:nvPicPr>
-        <p:blipFill>
-          <a:blip r:embed="rId2">
-            <a:extLst>
-              <a:ext uri="{28A0092B-C50C-407E-A947-70E740481C1C}">
-                <a14:useLocalDpi xmlns:a14="http://schemas.microsoft.com/office/drawing/2010/main" val="0"/>
-              </a:ext>
-            </a:extLst>
-          </a:blip>
-          <a:srcRect/>
-          <a:stretch>
-            <a:fillRect/>
-          </a:stretch>
-        </p:blipFill>
-        <p:spPr bwMode="auto">
-          <a:xfrm>
-            <a:off x="6096000" y="2264372"/>
-            <a:ext cx="5715000" cy="3000375"/>
-          </a:xfrm>
-          <a:prstGeom prst="rect">
-            <a:avLst/>
-          </a:prstGeom>
-          <a:noFill/>
-          <a:extLst>
-            <a:ext uri="{909E8E84-426E-40DD-AFC4-6F175D3DCCD1}">
-              <a14:hiddenFill xmlns:a14="http://schemas.microsoft.com/office/drawing/2010/main">
-                <a:solidFill>
-                  <a:srgbClr val="FFFFFF"/>
-                </a:solidFill>
-              </a14:hiddenFill>
-            </a:ext>
-          </a:extLst>
-        </p:spPr>
-      </p:pic>
-    </p:spTree>
-    <p:extLst>
-      <p:ext uri="{BB962C8B-B14F-4D97-AF65-F5344CB8AC3E}">
-        <p14:creationId xmlns:p14="http://schemas.microsoft.com/office/powerpoint/2010/main" val="2644860291"/>
-      </p:ext>
-    </p:extLst>
-  </p:cSld>
-  <p:clrMapOvr>
-    <a:masterClrMapping/>
-  </p:clrMapOvr>
-</p:sld>
-</file>
-
-<file path=ppt/slides/slide20.xml><?xml version="1.0" encoding="utf-8"?>
+<file path=ppt/slides/slide19.xml><?xml version="1.0" encoding="utf-8"?>
 <p:sld xmlns:a="http://schemas.openxmlformats.org/drawingml/2006/main" xmlns:r="http://schemas.openxmlformats.org/officeDocument/2006/relationships" xmlns:p="http://schemas.openxmlformats.org/presentationml/2006/main">
   <p:cSld>
     <p:spTree>
@@ -8021,7 +7631,95 @@
 </p:sld>
 </file>
 
-<file path=ppt/slides/slide21.xml><?xml version="1.0" encoding="utf-8"?>
+<file path=ppt/slides/slide2.xml><?xml version="1.0" encoding="utf-8"?>
+<p:sld xmlns:a="http://schemas.openxmlformats.org/drawingml/2006/main" xmlns:r="http://schemas.openxmlformats.org/officeDocument/2006/relationships" xmlns:p="http://schemas.openxmlformats.org/presentationml/2006/main">
+  <p:cSld>
+    <p:spTree>
+      <p:nvGrpSpPr>
+        <p:cNvPr id="1" name=""/>
+        <p:cNvGrpSpPr/>
+        <p:nvPr/>
+      </p:nvGrpSpPr>
+      <p:grpSpPr>
+        <a:xfrm>
+          <a:off x="0" y="0"/>
+          <a:ext cx="0" cy="0"/>
+          <a:chOff x="0" y="0"/>
+          <a:chExt cx="0" cy="0"/>
+        </a:xfrm>
+      </p:grpSpPr>
+      <p:sp>
+        <p:nvSpPr>
+          <p:cNvPr id="2" name="Title 1">
+            <a:extLst>
+              <a:ext uri="{FF2B5EF4-FFF2-40B4-BE49-F238E27FC236}">
+                <a16:creationId xmlns:a16="http://schemas.microsoft.com/office/drawing/2014/main" id="{ACD4D71D-C98A-41A3-A510-705F20250839}"/>
+              </a:ext>
+            </a:extLst>
+          </p:cNvPr>
+          <p:cNvSpPr>
+            <a:spLocks noGrp="1"/>
+          </p:cNvSpPr>
+          <p:nvPr>
+            <p:ph type="title"/>
+          </p:nvPr>
+        </p:nvSpPr>
+        <p:spPr/>
+        <p:txBody>
+          <a:bodyPr/>
+          <a:lstStyle/>
+          <a:p>
+            <a:r>
+              <a:rPr lang="pl-PL" dirty="0"/>
+              <a:t>Storage </a:t>
+            </a:r>
+            <a:r>
+              <a:rPr lang="pl-PL" dirty="0" err="1"/>
+              <a:t>Account</a:t>
+            </a:r>
+            <a:endParaRPr lang="pl-PL" dirty="0"/>
+          </a:p>
+        </p:txBody>
+      </p:sp>
+      <p:sp>
+        <p:nvSpPr>
+          <p:cNvPr id="3" name="Text Placeholder 2">
+            <a:extLst>
+              <a:ext uri="{FF2B5EF4-FFF2-40B4-BE49-F238E27FC236}">
+                <a16:creationId xmlns:a16="http://schemas.microsoft.com/office/drawing/2014/main" id="{95A9AE80-FEF0-4862-94F2-882F826C199E}"/>
+              </a:ext>
+            </a:extLst>
+          </p:cNvPr>
+          <p:cNvSpPr>
+            <a:spLocks noGrp="1"/>
+          </p:cNvSpPr>
+          <p:nvPr>
+            <p:ph type="body" idx="1"/>
+          </p:nvPr>
+        </p:nvSpPr>
+        <p:spPr/>
+        <p:txBody>
+          <a:bodyPr/>
+          <a:lstStyle/>
+          <a:p>
+            <a:endParaRPr lang="pl-PL"/>
+          </a:p>
+        </p:txBody>
+      </p:sp>
+    </p:spTree>
+    <p:extLst>
+      <p:ext uri="{BB962C8B-B14F-4D97-AF65-F5344CB8AC3E}">
+        <p14:creationId xmlns:p14="http://schemas.microsoft.com/office/powerpoint/2010/main" val="1289065382"/>
+      </p:ext>
+    </p:extLst>
+  </p:cSld>
+  <p:clrMapOvr>
+    <a:masterClrMapping/>
+  </p:clrMapOvr>
+</p:sld>
+</file>
+
+<file path=ppt/slides/slide20.xml><?xml version="1.0" encoding="utf-8"?>
 <p:sld xmlns:a="http://schemas.openxmlformats.org/drawingml/2006/main" xmlns:r="http://schemas.openxmlformats.org/officeDocument/2006/relationships" xmlns:p="http://schemas.openxmlformats.org/presentationml/2006/main">
   <p:cSld>
     <p:spTree>
@@ -8328,7 +8026,7 @@
 </p:sld>
 </file>
 
-<file path=ppt/slides/slide22.xml><?xml version="1.0" encoding="utf-8"?>
+<file path=ppt/slides/slide21.xml><?xml version="1.0" encoding="utf-8"?>
 <p:sld xmlns:a="http://schemas.openxmlformats.org/drawingml/2006/main" xmlns:r="http://schemas.openxmlformats.org/officeDocument/2006/relationships" xmlns:p="http://schemas.openxmlformats.org/presentationml/2006/main">
   <p:cSld>
     <p:spTree>
@@ -8577,7 +8275,7 @@
 </p:sld>
 </file>
 
-<file path=ppt/slides/slide23.xml><?xml version="1.0" encoding="utf-8"?>
+<file path=ppt/slides/slide22.xml><?xml version="1.0" encoding="utf-8"?>
 <p:sld xmlns:a="http://schemas.openxmlformats.org/drawingml/2006/main" xmlns:r="http://schemas.openxmlformats.org/officeDocument/2006/relationships" xmlns:p="http://schemas.openxmlformats.org/presentationml/2006/main">
   <p:cSld>
     <p:spTree>
@@ -8839,7 +8537,7 @@
 </p:sld>
 </file>
 
-<file path=ppt/slides/slide24.xml><?xml version="1.0" encoding="utf-8"?>
+<file path=ppt/slides/slide23.xml><?xml version="1.0" encoding="utf-8"?>
 <p:sld xmlns:a="http://schemas.openxmlformats.org/drawingml/2006/main" xmlns:r="http://schemas.openxmlformats.org/officeDocument/2006/relationships" xmlns:p="http://schemas.openxmlformats.org/presentationml/2006/main">
   <p:cSld>
     <p:spTree>
@@ -9145,7 +8843,7 @@
 </p:sld>
 </file>
 
-<file path=ppt/slides/slide25.xml><?xml version="1.0" encoding="utf-8"?>
+<file path=ppt/slides/slide24.xml><?xml version="1.0" encoding="utf-8"?>
 <p:sld xmlns:a="http://schemas.openxmlformats.org/drawingml/2006/main" xmlns:r="http://schemas.openxmlformats.org/officeDocument/2006/relationships" xmlns:p="http://schemas.openxmlformats.org/presentationml/2006/main">
   <p:cSld>
     <p:spTree>
@@ -9455,7 +9153,7 @@
 </p:sld>
 </file>
 
-<file path=ppt/slides/slide26.xml><?xml version="1.0" encoding="utf-8"?>
+<file path=ppt/slides/slide25.xml><?xml version="1.0" encoding="utf-8"?>
 <p:sld xmlns:a="http://schemas.openxmlformats.org/drawingml/2006/main" xmlns:r="http://schemas.openxmlformats.org/officeDocument/2006/relationships" xmlns:p="http://schemas.openxmlformats.org/presentationml/2006/main">
   <p:cSld>
     <p:spTree>
@@ -9561,7 +9259,7 @@
 </p:sld>
 </file>
 
-<file path=ppt/slides/slide27.xml><?xml version="1.0" encoding="utf-8"?>
+<file path=ppt/slides/slide26.xml><?xml version="1.0" encoding="utf-8"?>
 <p:sld xmlns:a="http://schemas.openxmlformats.org/drawingml/2006/main" xmlns:r="http://schemas.openxmlformats.org/officeDocument/2006/relationships" xmlns:p="http://schemas.openxmlformats.org/presentationml/2006/main">
   <p:cSld>
     <p:spTree>
@@ -9819,7 +9517,7 @@
 </p:sld>
 </file>
 
-<file path=ppt/slides/slide28.xml><?xml version="1.0" encoding="utf-8"?>
+<file path=ppt/slides/slide27.xml><?xml version="1.0" encoding="utf-8"?>
 <p:sld xmlns:a="http://schemas.openxmlformats.org/drawingml/2006/main" xmlns:r="http://schemas.openxmlformats.org/officeDocument/2006/relationships" xmlns:p="http://schemas.openxmlformats.org/presentationml/2006/main">
   <p:cSld>
     <p:spTree>
@@ -9902,7 +9600,7 @@
 </p:sld>
 </file>
 
-<file path=ppt/slides/slide29.xml><?xml version="1.0" encoding="utf-8"?>
+<file path=ppt/slides/slide28.xml><?xml version="1.0" encoding="utf-8"?>
 <p:sld xmlns:a="http://schemas.openxmlformats.org/drawingml/2006/main" xmlns:r="http://schemas.openxmlformats.org/officeDocument/2006/relationships" xmlns:p="http://schemas.openxmlformats.org/presentationml/2006/main">
   <p:cSld>
     <p:spTree>
@@ -10145,95 +9843,7 @@
 </p:sld>
 </file>
 
-<file path=ppt/slides/slide3.xml><?xml version="1.0" encoding="utf-8"?>
-<p:sld xmlns:a="http://schemas.openxmlformats.org/drawingml/2006/main" xmlns:r="http://schemas.openxmlformats.org/officeDocument/2006/relationships" xmlns:p="http://schemas.openxmlformats.org/presentationml/2006/main">
-  <p:cSld>
-    <p:spTree>
-      <p:nvGrpSpPr>
-        <p:cNvPr id="1" name=""/>
-        <p:cNvGrpSpPr/>
-        <p:nvPr/>
-      </p:nvGrpSpPr>
-      <p:grpSpPr>
-        <a:xfrm>
-          <a:off x="0" y="0"/>
-          <a:ext cx="0" cy="0"/>
-          <a:chOff x="0" y="0"/>
-          <a:chExt cx="0" cy="0"/>
-        </a:xfrm>
-      </p:grpSpPr>
-      <p:sp>
-        <p:nvSpPr>
-          <p:cNvPr id="2" name="Title 1">
-            <a:extLst>
-              <a:ext uri="{FF2B5EF4-FFF2-40B4-BE49-F238E27FC236}">
-                <a16:creationId xmlns:a16="http://schemas.microsoft.com/office/drawing/2014/main" id="{ACD4D71D-C98A-41A3-A510-705F20250839}"/>
-              </a:ext>
-            </a:extLst>
-          </p:cNvPr>
-          <p:cNvSpPr>
-            <a:spLocks noGrp="1"/>
-          </p:cNvSpPr>
-          <p:nvPr>
-            <p:ph type="title"/>
-          </p:nvPr>
-        </p:nvSpPr>
-        <p:spPr/>
-        <p:txBody>
-          <a:bodyPr/>
-          <a:lstStyle/>
-          <a:p>
-            <a:r>
-              <a:rPr lang="pl-PL" dirty="0"/>
-              <a:t>Storage </a:t>
-            </a:r>
-            <a:r>
-              <a:rPr lang="pl-PL" dirty="0" err="1"/>
-              <a:t>Account</a:t>
-            </a:r>
-            <a:endParaRPr lang="pl-PL" dirty="0"/>
-          </a:p>
-        </p:txBody>
-      </p:sp>
-      <p:sp>
-        <p:nvSpPr>
-          <p:cNvPr id="3" name="Text Placeholder 2">
-            <a:extLst>
-              <a:ext uri="{FF2B5EF4-FFF2-40B4-BE49-F238E27FC236}">
-                <a16:creationId xmlns:a16="http://schemas.microsoft.com/office/drawing/2014/main" id="{95A9AE80-FEF0-4862-94F2-882F826C199E}"/>
-              </a:ext>
-            </a:extLst>
-          </p:cNvPr>
-          <p:cNvSpPr>
-            <a:spLocks noGrp="1"/>
-          </p:cNvSpPr>
-          <p:nvPr>
-            <p:ph type="body" idx="1"/>
-          </p:nvPr>
-        </p:nvSpPr>
-        <p:spPr/>
-        <p:txBody>
-          <a:bodyPr/>
-          <a:lstStyle/>
-          <a:p>
-            <a:endParaRPr lang="pl-PL"/>
-          </a:p>
-        </p:txBody>
-      </p:sp>
-    </p:spTree>
-    <p:extLst>
-      <p:ext uri="{BB962C8B-B14F-4D97-AF65-F5344CB8AC3E}">
-        <p14:creationId xmlns:p14="http://schemas.microsoft.com/office/powerpoint/2010/main" val="1289065382"/>
-      </p:ext>
-    </p:extLst>
-  </p:cSld>
-  <p:clrMapOvr>
-    <a:masterClrMapping/>
-  </p:clrMapOvr>
-</p:sld>
-</file>
-
-<file path=ppt/slides/slide30.xml><?xml version="1.0" encoding="utf-8"?>
+<file path=ppt/slides/slide29.xml><?xml version="1.0" encoding="utf-8"?>
 <p:sld xmlns:a="http://schemas.openxmlformats.org/drawingml/2006/main" xmlns:r="http://schemas.openxmlformats.org/officeDocument/2006/relationships" xmlns:p="http://schemas.openxmlformats.org/presentationml/2006/main">
   <p:cSld>
     <p:spTree>
@@ -10507,864 +10117,7 @@
 </p:sld>
 </file>
 
-<file path=ppt/slides/slide31.xml><?xml version="1.0" encoding="utf-8"?>
-<p:sld xmlns:a="http://schemas.openxmlformats.org/drawingml/2006/main" xmlns:r="http://schemas.openxmlformats.org/officeDocument/2006/relationships" xmlns:p="http://schemas.openxmlformats.org/presentationml/2006/main">
-  <p:cSld>
-    <p:spTree>
-      <p:nvGrpSpPr>
-        <p:cNvPr id="1" name=""/>
-        <p:cNvGrpSpPr/>
-        <p:nvPr/>
-      </p:nvGrpSpPr>
-      <p:grpSpPr>
-        <a:xfrm>
-          <a:off x="0" y="0"/>
-          <a:ext cx="0" cy="0"/>
-          <a:chOff x="0" y="0"/>
-          <a:chExt cx="0" cy="0"/>
-        </a:xfrm>
-      </p:grpSpPr>
-      <p:sp>
-        <p:nvSpPr>
-          <p:cNvPr id="2" name="Title 1">
-            <a:extLst>
-              <a:ext uri="{FF2B5EF4-FFF2-40B4-BE49-F238E27FC236}">
-                <a16:creationId xmlns:a16="http://schemas.microsoft.com/office/drawing/2014/main" id="{37257D22-F626-4B42-AE66-5536CBCD97F2}"/>
-              </a:ext>
-            </a:extLst>
-          </p:cNvPr>
-          <p:cNvSpPr>
-            <a:spLocks noGrp="1"/>
-          </p:cNvSpPr>
-          <p:nvPr>
-            <p:ph type="title"/>
-          </p:nvPr>
-        </p:nvSpPr>
-        <p:spPr/>
-        <p:txBody>
-          <a:bodyPr/>
-          <a:lstStyle/>
-          <a:p>
-            <a:r>
-              <a:rPr lang="en-US" dirty="0"/>
-              <a:t>Key Vault</a:t>
-            </a:r>
-            <a:endParaRPr lang="pl-PL" dirty="0"/>
-          </a:p>
-        </p:txBody>
-      </p:sp>
-      <p:sp>
-        <p:nvSpPr>
-          <p:cNvPr id="3" name="Content Placeholder 2">
-            <a:extLst>
-              <a:ext uri="{FF2B5EF4-FFF2-40B4-BE49-F238E27FC236}">
-                <a16:creationId xmlns:a16="http://schemas.microsoft.com/office/drawing/2014/main" id="{B4B96B2A-FFA7-42FF-8B6D-1A41F0030650}"/>
-              </a:ext>
-            </a:extLst>
-          </p:cNvPr>
-          <p:cNvSpPr>
-            <a:spLocks noGrp="1"/>
-          </p:cNvSpPr>
-          <p:nvPr>
-            <p:ph idx="1"/>
-          </p:nvPr>
-        </p:nvSpPr>
-        <p:spPr>
-          <a:xfrm>
-            <a:off x="1066800" y="2103120"/>
-            <a:ext cx="5029200" cy="3849624"/>
-          </a:xfrm>
-        </p:spPr>
-        <p:txBody>
-          <a:bodyPr/>
-          <a:lstStyle/>
-          <a:p>
-            <a:r>
-              <a:rPr lang="pl-PL" b="0" i="0" dirty="0">
-                <a:solidFill>
-                  <a:srgbClr val="171717"/>
-                </a:solidFill>
-                <a:effectLst/>
-              </a:rPr>
-              <a:t>Usługa </a:t>
-            </a:r>
-            <a:r>
-              <a:rPr lang="pl-PL" b="0" i="0" u="none" strike="noStrike" dirty="0" err="1">
-                <a:effectLst/>
-              </a:rPr>
-              <a:t>Azure</a:t>
-            </a:r>
-            <a:r>
-              <a:rPr lang="pl-PL" b="0" i="0" u="none" strike="noStrike" dirty="0">
-                <a:effectLst/>
-              </a:rPr>
-              <a:t> </a:t>
-            </a:r>
-            <a:r>
-              <a:rPr lang="pl-PL" b="0" i="0" u="none" strike="noStrike" dirty="0" err="1">
-                <a:effectLst/>
-              </a:rPr>
-              <a:t>Key</a:t>
-            </a:r>
-            <a:r>
-              <a:rPr lang="pl-PL" b="0" i="0" u="none" strike="noStrike" dirty="0">
-                <a:effectLst/>
-              </a:rPr>
-              <a:t> Vault</a:t>
-            </a:r>
-            <a:r>
-              <a:rPr lang="pl-PL" b="0" i="0" dirty="0">
-                <a:solidFill>
-                  <a:srgbClr val="171717"/>
-                </a:solidFill>
-                <a:effectLst/>
-              </a:rPr>
-              <a:t> jest scentralizowaną usługą w chmurze do przechowywania wpisów tajnych aplikacji w jednej centralnej lokalizacji. Oferuje bezpieczny dostęp do poufnych informacji przez zapewnienie możliwości kontroli dostępu i rejestrowania.</a:t>
-            </a:r>
-          </a:p>
-          <a:p>
-            <a:pPr algn="l"/>
-            <a:r>
-              <a:rPr lang="pl-PL" b="0" i="0" dirty="0" err="1">
-                <a:solidFill>
-                  <a:srgbClr val="171717"/>
-                </a:solidFill>
-                <a:effectLst/>
-              </a:rPr>
-              <a:t>Azure</a:t>
-            </a:r>
-            <a:r>
-              <a:rPr lang="pl-PL" b="0" i="0" dirty="0">
-                <a:solidFill>
-                  <a:srgbClr val="171717"/>
-                </a:solidFill>
-                <a:effectLst/>
-              </a:rPr>
-              <a:t> </a:t>
-            </a:r>
-            <a:r>
-              <a:rPr lang="pl-PL" b="0" i="0" dirty="0" err="1">
-                <a:solidFill>
-                  <a:srgbClr val="171717"/>
-                </a:solidFill>
-                <a:effectLst/>
-              </a:rPr>
-              <a:t>Key</a:t>
-            </a:r>
-            <a:r>
-              <a:rPr lang="pl-PL" b="0" i="0" dirty="0">
-                <a:solidFill>
-                  <a:srgbClr val="171717"/>
-                </a:solidFill>
-                <a:effectLst/>
-              </a:rPr>
-              <a:t> Vault może pomóc w następujących kwestiach:</a:t>
-            </a:r>
-          </a:p>
-          <a:p>
-            <a:pPr lvl="1">
-              <a:buFont typeface="Arial" panose="020B0604020202020204" pitchFamily="34" charset="0"/>
-              <a:buChar char="•"/>
-            </a:pPr>
-            <a:r>
-              <a:rPr lang="pl-PL" b="1" i="0" dirty="0">
-                <a:solidFill>
-                  <a:srgbClr val="171717"/>
-                </a:solidFill>
-                <a:effectLst/>
-              </a:rPr>
-              <a:t>Zarządzanie wpisami tajnymi</a:t>
-            </a:r>
-            <a:endParaRPr lang="pl-PL" b="0" i="0" dirty="0">
-              <a:solidFill>
-                <a:srgbClr val="171717"/>
-              </a:solidFill>
-              <a:effectLst/>
-            </a:endParaRPr>
-          </a:p>
-          <a:p>
-            <a:pPr lvl="1">
-              <a:buFont typeface="Arial" panose="020B0604020202020204" pitchFamily="34" charset="0"/>
-              <a:buChar char="•"/>
-            </a:pPr>
-            <a:r>
-              <a:rPr lang="pl-PL" b="1" i="0" dirty="0">
-                <a:solidFill>
-                  <a:srgbClr val="171717"/>
-                </a:solidFill>
-                <a:effectLst/>
-              </a:rPr>
-              <a:t>Zarządzanie kluczami szyfrowania</a:t>
-            </a:r>
-            <a:endParaRPr lang="pl-PL" b="0" i="0" dirty="0">
-              <a:solidFill>
-                <a:srgbClr val="171717"/>
-              </a:solidFill>
-              <a:effectLst/>
-            </a:endParaRPr>
-          </a:p>
-          <a:p>
-            <a:pPr lvl="1">
-              <a:buFont typeface="Arial" panose="020B0604020202020204" pitchFamily="34" charset="0"/>
-              <a:buChar char="•"/>
-            </a:pPr>
-            <a:r>
-              <a:rPr lang="pl-PL" b="1" i="0" dirty="0">
-                <a:solidFill>
-                  <a:srgbClr val="171717"/>
-                </a:solidFill>
-                <a:effectLst/>
-              </a:rPr>
-              <a:t>Zarządzanie certyfikatami SSL/TLS</a:t>
-            </a:r>
-            <a:endParaRPr lang="pl-PL" b="0" i="0" dirty="0">
-              <a:solidFill>
-                <a:srgbClr val="171717"/>
-              </a:solidFill>
-              <a:effectLst/>
-            </a:endParaRPr>
-          </a:p>
-          <a:p>
-            <a:pPr lvl="1">
-              <a:buFont typeface="Arial" panose="020B0604020202020204" pitchFamily="34" charset="0"/>
-              <a:buChar char="•"/>
-            </a:pPr>
-            <a:r>
-              <a:rPr lang="pl-PL" b="1" i="0" dirty="0">
-                <a:solidFill>
-                  <a:srgbClr val="171717"/>
-                </a:solidFill>
-                <a:effectLst/>
-              </a:rPr>
-              <a:t>Przechowywanie wpisów tajnych wspieranych przez moduły HSM (Hardware Security Module)</a:t>
-            </a:r>
-            <a:endParaRPr lang="pl-PL" dirty="0"/>
-          </a:p>
-        </p:txBody>
-      </p:sp>
-      <p:pic>
-        <p:nvPicPr>
-          <p:cNvPr id="5" name="Picture 4">
-            <a:extLst>
-              <a:ext uri="{FF2B5EF4-FFF2-40B4-BE49-F238E27FC236}">
-                <a16:creationId xmlns:a16="http://schemas.microsoft.com/office/drawing/2014/main" id="{5882AB7D-46F9-4FCF-A7AF-DCCB874CBBBF}"/>
-              </a:ext>
-            </a:extLst>
-          </p:cNvPr>
-          <p:cNvPicPr>
-            <a:picLocks noChangeAspect="1"/>
-          </p:cNvPicPr>
-          <p:nvPr/>
-        </p:nvPicPr>
-        <p:blipFill>
-          <a:blip r:embed="rId2"/>
-          <a:stretch>
-            <a:fillRect/>
-          </a:stretch>
-        </p:blipFill>
-        <p:spPr>
-          <a:xfrm>
-            <a:off x="7135160" y="2014194"/>
-            <a:ext cx="2994262" cy="2994262"/>
-          </a:xfrm>
-          <a:prstGeom prst="rect">
-            <a:avLst/>
-          </a:prstGeom>
-        </p:spPr>
-      </p:pic>
-    </p:spTree>
-    <p:extLst>
-      <p:ext uri="{BB962C8B-B14F-4D97-AF65-F5344CB8AC3E}">
-        <p14:creationId xmlns:p14="http://schemas.microsoft.com/office/powerpoint/2010/main" val="3750687055"/>
-      </p:ext>
-    </p:extLst>
-  </p:cSld>
-  <p:clrMapOvr>
-    <a:masterClrMapping/>
-  </p:clrMapOvr>
-</p:sld>
-</file>
-
-<file path=ppt/slides/slide32.xml><?xml version="1.0" encoding="utf-8"?>
-<p:sld xmlns:a="http://schemas.openxmlformats.org/drawingml/2006/main" xmlns:r="http://schemas.openxmlformats.org/officeDocument/2006/relationships" xmlns:p="http://schemas.openxmlformats.org/presentationml/2006/main">
-  <p:cSld>
-    <p:spTree>
-      <p:nvGrpSpPr>
-        <p:cNvPr id="1" name=""/>
-        <p:cNvGrpSpPr/>
-        <p:nvPr/>
-      </p:nvGrpSpPr>
-      <p:grpSpPr>
-        <a:xfrm>
-          <a:off x="0" y="0"/>
-          <a:ext cx="0" cy="0"/>
-          <a:chOff x="0" y="0"/>
-          <a:chExt cx="0" cy="0"/>
-        </a:xfrm>
-      </p:grpSpPr>
-      <p:sp>
-        <p:nvSpPr>
-          <p:cNvPr id="2" name="Title 1">
-            <a:extLst>
-              <a:ext uri="{FF2B5EF4-FFF2-40B4-BE49-F238E27FC236}">
-                <a16:creationId xmlns:a16="http://schemas.microsoft.com/office/drawing/2014/main" id="{09136CAF-A768-4DB3-8DB8-1ECE765FAC26}"/>
-              </a:ext>
-            </a:extLst>
-          </p:cNvPr>
-          <p:cNvSpPr>
-            <a:spLocks noGrp="1"/>
-          </p:cNvSpPr>
-          <p:nvPr>
-            <p:ph type="title"/>
-          </p:nvPr>
-        </p:nvSpPr>
-        <p:spPr/>
-        <p:txBody>
-          <a:bodyPr/>
-          <a:lstStyle/>
-          <a:p>
-            <a:r>
-              <a:rPr lang="en-US" dirty="0"/>
-              <a:t>Azure Sentinel</a:t>
-            </a:r>
-            <a:endParaRPr lang="pl-PL" dirty="0"/>
-          </a:p>
-        </p:txBody>
-      </p:sp>
-      <p:sp>
-        <p:nvSpPr>
-          <p:cNvPr id="3" name="Content Placeholder 2">
-            <a:extLst>
-              <a:ext uri="{FF2B5EF4-FFF2-40B4-BE49-F238E27FC236}">
-                <a16:creationId xmlns:a16="http://schemas.microsoft.com/office/drawing/2014/main" id="{7B29005D-93E9-4C40-A5D1-5F645D5EB665}"/>
-              </a:ext>
-            </a:extLst>
-          </p:cNvPr>
-          <p:cNvSpPr>
-            <a:spLocks noGrp="1"/>
-          </p:cNvSpPr>
-          <p:nvPr>
-            <p:ph idx="1"/>
-          </p:nvPr>
-        </p:nvSpPr>
-        <p:spPr>
-          <a:xfrm>
-            <a:off x="1066800" y="2103120"/>
-            <a:ext cx="5029200" cy="3849624"/>
-          </a:xfrm>
-        </p:spPr>
-        <p:txBody>
-          <a:bodyPr>
-            <a:normAutofit lnSpcReduction="10000"/>
-          </a:bodyPr>
-          <a:lstStyle/>
-          <a:p>
-            <a:pPr algn="l"/>
-            <a:r>
-              <a:rPr lang="pl-PL" b="0" i="0" dirty="0">
-                <a:solidFill>
-                  <a:srgbClr val="171717"/>
-                </a:solidFill>
-                <a:effectLst/>
-              </a:rPr>
-              <a:t>Zarządzanie zabezpieczeniami na dużą skalę może skorzystać z dedykowanego systemu zarządzania informacjami i zdarzeniami zabezpieczeń (SIEM). System SIEM agreguje dane zabezpieczeń z wielu różnych źródeł (pod warunkiem, że te źródła obsługują otwarty standardowy format logowania). Zapewnia to również dodatkowe możliwości wykrywania zagrożeń i reagowania na nie.</a:t>
-            </a:r>
-          </a:p>
-          <a:p>
-            <a:pPr algn="l"/>
-            <a:r>
-              <a:rPr lang="pl-PL" b="0" i="0" dirty="0">
-                <a:solidFill>
-                  <a:srgbClr val="171717"/>
-                </a:solidFill>
-                <a:effectLst/>
-              </a:rPr>
-              <a:t>Usługa </a:t>
-            </a:r>
-            <a:r>
-              <a:rPr lang="pl-PL" b="0" i="0" dirty="0" err="1">
-                <a:solidFill>
-                  <a:srgbClr val="171717"/>
-                </a:solidFill>
-                <a:effectLst/>
-              </a:rPr>
-              <a:t>Azure</a:t>
-            </a:r>
-            <a:r>
-              <a:rPr lang="pl-PL" b="0" i="0" dirty="0">
-                <a:solidFill>
-                  <a:srgbClr val="171717"/>
-                </a:solidFill>
-                <a:effectLst/>
-              </a:rPr>
-              <a:t> </a:t>
-            </a:r>
-            <a:r>
-              <a:rPr lang="pl-PL" b="0" i="0" dirty="0" err="1">
-                <a:solidFill>
-                  <a:srgbClr val="171717"/>
-                </a:solidFill>
-                <a:effectLst/>
-              </a:rPr>
-              <a:t>Sentinel</a:t>
-            </a:r>
-            <a:r>
-              <a:rPr lang="pl-PL" b="0" i="0" dirty="0">
-                <a:solidFill>
-                  <a:srgbClr val="171717"/>
-                </a:solidFill>
-                <a:effectLst/>
-              </a:rPr>
-              <a:t> zapewnia następujące możliwości:</a:t>
-            </a:r>
-          </a:p>
-          <a:p>
-            <a:pPr lvl="1">
-              <a:buFont typeface="Arial" panose="020B0604020202020204" pitchFamily="34" charset="0"/>
-              <a:buChar char="•"/>
-            </a:pPr>
-            <a:r>
-              <a:rPr lang="pl-PL" b="1" i="0" dirty="0">
-                <a:solidFill>
-                  <a:srgbClr val="171717"/>
-                </a:solidFill>
-                <a:effectLst/>
-              </a:rPr>
-              <a:t>Zbieranie danych w chmurze na dużą skalę</a:t>
-            </a:r>
-            <a:endParaRPr lang="pl-PL" b="0" i="0" dirty="0">
-              <a:solidFill>
-                <a:srgbClr val="171717"/>
-              </a:solidFill>
-              <a:effectLst/>
-            </a:endParaRPr>
-          </a:p>
-          <a:p>
-            <a:pPr lvl="1">
-              <a:buFont typeface="Arial" panose="020B0604020202020204" pitchFamily="34" charset="0"/>
-              <a:buChar char="•"/>
-            </a:pPr>
-            <a:r>
-              <a:rPr lang="pl-PL" b="1" i="0" dirty="0">
-                <a:solidFill>
-                  <a:srgbClr val="171717"/>
-                </a:solidFill>
-                <a:effectLst/>
-              </a:rPr>
-              <a:t>Wykrywanie wcześniej niewykrytych zagrożeń</a:t>
-            </a:r>
-            <a:endParaRPr lang="pl-PL" b="0" i="0" dirty="0">
-              <a:solidFill>
-                <a:srgbClr val="171717"/>
-              </a:solidFill>
-              <a:effectLst/>
-            </a:endParaRPr>
-          </a:p>
-          <a:p>
-            <a:pPr lvl="1">
-              <a:buFont typeface="Arial" panose="020B0604020202020204" pitchFamily="34" charset="0"/>
-              <a:buChar char="•"/>
-            </a:pPr>
-            <a:r>
-              <a:rPr lang="pl-PL" b="1" i="0" dirty="0">
-                <a:solidFill>
-                  <a:srgbClr val="171717"/>
-                </a:solidFill>
-                <a:effectLst/>
-              </a:rPr>
-              <a:t>Badanie zagrożeń przy użyciu sztucznej inteligencji</a:t>
-            </a:r>
-            <a:endParaRPr lang="pl-PL" b="0" i="0" dirty="0">
-              <a:solidFill>
-                <a:srgbClr val="171717"/>
-              </a:solidFill>
-              <a:effectLst/>
-            </a:endParaRPr>
-          </a:p>
-          <a:p>
-            <a:pPr lvl="1">
-              <a:buFont typeface="Arial" panose="020B0604020202020204" pitchFamily="34" charset="0"/>
-              <a:buChar char="•"/>
-            </a:pPr>
-            <a:r>
-              <a:rPr lang="pl-PL" b="1" i="0" dirty="0">
-                <a:solidFill>
-                  <a:srgbClr val="171717"/>
-                </a:solidFill>
-                <a:effectLst/>
-              </a:rPr>
-              <a:t>Szybkie reagowanie na zdarzenia</a:t>
-            </a:r>
-            <a:endParaRPr lang="pl-PL" b="0" i="0" dirty="0">
-              <a:solidFill>
-                <a:srgbClr val="171717"/>
-              </a:solidFill>
-              <a:effectLst/>
-            </a:endParaRPr>
-          </a:p>
-          <a:p>
-            <a:endParaRPr lang="pl-PL" dirty="0"/>
-          </a:p>
-        </p:txBody>
-      </p:sp>
-      <p:pic>
-        <p:nvPicPr>
-          <p:cNvPr id="12290" name="Picture 2" descr="Azure Sentinel – natywne dla chmury rozwiązanie SIEM | Microsoft Azure">
-            <a:extLst>
-              <a:ext uri="{FF2B5EF4-FFF2-40B4-BE49-F238E27FC236}">
-                <a16:creationId xmlns:a16="http://schemas.microsoft.com/office/drawing/2014/main" id="{9C1422E3-B514-49E1-97B1-B9873858940A}"/>
-              </a:ext>
-            </a:extLst>
-          </p:cNvPr>
-          <p:cNvPicPr>
-            <a:picLocks noChangeAspect="1" noChangeArrowheads="1"/>
-          </p:cNvPicPr>
-          <p:nvPr/>
-        </p:nvPicPr>
-        <p:blipFill>
-          <a:blip r:embed="rId2">
-            <a:extLst>
-              <a:ext uri="{28A0092B-C50C-407E-A947-70E740481C1C}">
-                <a14:useLocalDpi xmlns:a14="http://schemas.microsoft.com/office/drawing/2010/main" val="0"/>
-              </a:ext>
-            </a:extLst>
-          </a:blip>
-          <a:srcRect/>
-          <a:stretch>
-            <a:fillRect/>
-          </a:stretch>
-        </p:blipFill>
-        <p:spPr bwMode="auto">
-          <a:xfrm>
-            <a:off x="5623264" y="2014194"/>
-            <a:ext cx="5715000" cy="3000375"/>
-          </a:xfrm>
-          <a:prstGeom prst="rect">
-            <a:avLst/>
-          </a:prstGeom>
-          <a:noFill/>
-          <a:extLst>
-            <a:ext uri="{909E8E84-426E-40DD-AFC4-6F175D3DCCD1}">
-              <a14:hiddenFill xmlns:a14="http://schemas.microsoft.com/office/drawing/2010/main">
-                <a:solidFill>
-                  <a:srgbClr val="FFFFFF"/>
-                </a:solidFill>
-              </a14:hiddenFill>
-            </a:ext>
-          </a:extLst>
-        </p:spPr>
-      </p:pic>
-    </p:spTree>
-    <p:extLst>
-      <p:ext uri="{BB962C8B-B14F-4D97-AF65-F5344CB8AC3E}">
-        <p14:creationId xmlns:p14="http://schemas.microsoft.com/office/powerpoint/2010/main" val="1695271242"/>
-      </p:ext>
-    </p:extLst>
-  </p:cSld>
-  <p:clrMapOvr>
-    <a:masterClrMapping/>
-  </p:clrMapOvr>
-</p:sld>
-</file>
-
-<file path=ppt/slides/slide33.xml><?xml version="1.0" encoding="utf-8"?>
-<p:sld xmlns:a="http://schemas.openxmlformats.org/drawingml/2006/main" xmlns:r="http://schemas.openxmlformats.org/officeDocument/2006/relationships" xmlns:p="http://schemas.openxmlformats.org/presentationml/2006/main">
-  <p:cSld>
-    <p:spTree>
-      <p:nvGrpSpPr>
-        <p:cNvPr id="1" name=""/>
-        <p:cNvGrpSpPr/>
-        <p:nvPr/>
-      </p:nvGrpSpPr>
-      <p:grpSpPr>
-        <a:xfrm>
-          <a:off x="0" y="0"/>
-          <a:ext cx="0" cy="0"/>
-          <a:chOff x="0" y="0"/>
-          <a:chExt cx="0" cy="0"/>
-        </a:xfrm>
-      </p:grpSpPr>
-      <p:sp>
-        <p:nvSpPr>
-          <p:cNvPr id="2" name="Title 1">
-            <a:extLst>
-              <a:ext uri="{FF2B5EF4-FFF2-40B4-BE49-F238E27FC236}">
-                <a16:creationId xmlns:a16="http://schemas.microsoft.com/office/drawing/2014/main" id="{4D0197D5-A08B-40B6-83C6-5B2FD24DE13E}"/>
-              </a:ext>
-            </a:extLst>
-          </p:cNvPr>
-          <p:cNvSpPr>
-            <a:spLocks noGrp="1"/>
-          </p:cNvSpPr>
-          <p:nvPr>
-            <p:ph type="title"/>
-          </p:nvPr>
-        </p:nvSpPr>
-        <p:spPr/>
-        <p:txBody>
-          <a:bodyPr/>
-          <a:lstStyle/>
-          <a:p>
-            <a:r>
-              <a:rPr lang="en-US" dirty="0"/>
-              <a:t>Azure Dedicated Hosts</a:t>
-            </a:r>
-            <a:endParaRPr lang="pl-PL" dirty="0"/>
-          </a:p>
-        </p:txBody>
-      </p:sp>
-      <p:sp>
-        <p:nvSpPr>
-          <p:cNvPr id="3" name="Content Placeholder 2">
-            <a:extLst>
-              <a:ext uri="{FF2B5EF4-FFF2-40B4-BE49-F238E27FC236}">
-                <a16:creationId xmlns:a16="http://schemas.microsoft.com/office/drawing/2014/main" id="{64A50C24-7D25-435E-86D5-A13409D7724A}"/>
-              </a:ext>
-            </a:extLst>
-          </p:cNvPr>
-          <p:cNvSpPr>
-            <a:spLocks noGrp="1"/>
-          </p:cNvSpPr>
-          <p:nvPr>
-            <p:ph idx="1"/>
-          </p:nvPr>
-        </p:nvSpPr>
-        <p:spPr>
-          <a:xfrm>
-            <a:off x="1066800" y="2103120"/>
-            <a:ext cx="5029200" cy="3849624"/>
-          </a:xfrm>
-        </p:spPr>
-        <p:txBody>
-          <a:bodyPr>
-            <a:normAutofit/>
-          </a:bodyPr>
-          <a:lstStyle/>
-          <a:p>
-            <a:pPr algn="l"/>
-            <a:r>
-              <a:rPr lang="pl-PL" b="0" i="0" dirty="0">
-                <a:solidFill>
-                  <a:srgbClr val="171717"/>
-                </a:solidFill>
-                <a:effectLst/>
-                <a:latin typeface="Segoe UI" panose="020B0502040204020203" pitchFamily="34" charset="0"/>
-              </a:rPr>
-              <a:t>Usługa </a:t>
-            </a:r>
-            <a:r>
-              <a:rPr lang="pl-PL" b="0" i="0" dirty="0" err="1">
-                <a:solidFill>
-                  <a:srgbClr val="171717"/>
-                </a:solidFill>
-                <a:effectLst/>
-                <a:latin typeface="Segoe UI" panose="020B0502040204020203" pitchFamily="34" charset="0"/>
-              </a:rPr>
-              <a:t>Azure</a:t>
-            </a:r>
-            <a:r>
-              <a:rPr lang="pl-PL" b="0" i="0" dirty="0">
-                <a:solidFill>
-                  <a:srgbClr val="171717"/>
-                </a:solidFill>
-                <a:effectLst/>
-                <a:latin typeface="Segoe UI" panose="020B0502040204020203" pitchFamily="34" charset="0"/>
-              </a:rPr>
-              <a:t> </a:t>
-            </a:r>
-            <a:r>
-              <a:rPr lang="pl-PL" b="0" i="0" dirty="0" err="1">
-                <a:solidFill>
-                  <a:srgbClr val="171717"/>
-                </a:solidFill>
-                <a:effectLst/>
-                <a:latin typeface="Segoe UI" panose="020B0502040204020203" pitchFamily="34" charset="0"/>
-              </a:rPr>
-              <a:t>Dedicated</a:t>
-            </a:r>
-            <a:r>
-              <a:rPr lang="pl-PL" b="0" i="0" dirty="0">
-                <a:solidFill>
-                  <a:srgbClr val="171717"/>
-                </a:solidFill>
-                <a:effectLst/>
-                <a:latin typeface="Segoe UI" panose="020B0502040204020203" pitchFamily="34" charset="0"/>
-              </a:rPr>
-              <a:t> Host:</a:t>
-            </a:r>
-          </a:p>
-          <a:p>
-            <a:pPr lvl="1">
-              <a:buFont typeface="Arial" panose="020B0604020202020204" pitchFamily="34" charset="0"/>
-              <a:buChar char="•"/>
-            </a:pPr>
-            <a:r>
-              <a:rPr lang="pl-PL" b="0" i="0" dirty="0">
-                <a:solidFill>
-                  <a:srgbClr val="171717"/>
-                </a:solidFill>
-                <a:effectLst/>
-                <a:latin typeface="Segoe UI" panose="020B0502040204020203" pitchFamily="34" charset="0"/>
-              </a:rPr>
-              <a:t>Zapewnia wgląd w infrastrukturę serwera, na której są uruchomione maszyny wirtualne platformy </a:t>
-            </a:r>
-            <a:r>
-              <a:rPr lang="pl-PL" b="0" i="0" dirty="0" err="1">
-                <a:solidFill>
-                  <a:srgbClr val="171717"/>
-                </a:solidFill>
-                <a:effectLst/>
-                <a:latin typeface="Segoe UI" panose="020B0502040204020203" pitchFamily="34" charset="0"/>
-              </a:rPr>
-              <a:t>Azure</a:t>
-            </a:r>
-            <a:r>
-              <a:rPr lang="pl-PL" b="0" i="0" dirty="0">
-                <a:solidFill>
-                  <a:srgbClr val="171717"/>
-                </a:solidFill>
-                <a:effectLst/>
-                <a:latin typeface="Segoe UI" panose="020B0502040204020203" pitchFamily="34" charset="0"/>
-              </a:rPr>
-              <a:t>, i kontrolę nad nią.</a:t>
-            </a:r>
-          </a:p>
-          <a:p>
-            <a:pPr lvl="1">
-              <a:buFont typeface="Arial" panose="020B0604020202020204" pitchFamily="34" charset="0"/>
-              <a:buChar char="•"/>
-            </a:pPr>
-            <a:r>
-              <a:rPr lang="pl-PL" b="0" i="0" dirty="0">
-                <a:solidFill>
-                  <a:srgbClr val="171717"/>
-                </a:solidFill>
-                <a:effectLst/>
-                <a:latin typeface="Segoe UI" panose="020B0502040204020203" pitchFamily="34" charset="0"/>
-              </a:rPr>
-              <a:t>Ułatwia spełnianie wymagań dotyczących zgodności przez wdrożenie obciążeń na serwerze izolowanym.</a:t>
-            </a:r>
-          </a:p>
-          <a:p>
-            <a:pPr lvl="1">
-              <a:buFont typeface="Arial" panose="020B0604020202020204" pitchFamily="34" charset="0"/>
-              <a:buChar char="•"/>
-            </a:pPr>
-            <a:r>
-              <a:rPr lang="pl-PL" b="0" i="0" dirty="0">
-                <a:solidFill>
-                  <a:srgbClr val="171717"/>
-                </a:solidFill>
-                <a:effectLst/>
-                <a:latin typeface="Segoe UI" panose="020B0502040204020203" pitchFamily="34" charset="0"/>
-              </a:rPr>
-              <a:t>Pozwala na wybranie liczby procesorów, możliwości serwera, serii maszyn wirtualnych i rozmiarów maszyn wirtualnych w ramach tego samego hosta.</a:t>
-            </a:r>
-          </a:p>
-          <a:p>
-            <a:endParaRPr lang="pl-PL" b="0" i="0" dirty="0">
-              <a:solidFill>
-                <a:srgbClr val="171717"/>
-              </a:solidFill>
-              <a:effectLst/>
-            </a:endParaRPr>
-          </a:p>
-          <a:p>
-            <a:endParaRPr lang="pl-PL" dirty="0"/>
-          </a:p>
-        </p:txBody>
-      </p:sp>
-      <p:pic>
-        <p:nvPicPr>
-          <p:cNvPr id="5" name="Picture 4">
-            <a:extLst>
-              <a:ext uri="{FF2B5EF4-FFF2-40B4-BE49-F238E27FC236}">
-                <a16:creationId xmlns:a16="http://schemas.microsoft.com/office/drawing/2014/main" id="{A5A28CBB-BB47-41ED-A6E0-32DB342925AA}"/>
-              </a:ext>
-            </a:extLst>
-          </p:cNvPr>
-          <p:cNvPicPr>
-            <a:picLocks noChangeAspect="1"/>
-          </p:cNvPicPr>
-          <p:nvPr/>
-        </p:nvPicPr>
-        <p:blipFill>
-          <a:blip r:embed="rId2"/>
-          <a:stretch>
-            <a:fillRect/>
-          </a:stretch>
-        </p:blipFill>
-        <p:spPr>
-          <a:xfrm>
-            <a:off x="7508021" y="1340261"/>
-            <a:ext cx="2088739" cy="2088739"/>
-          </a:xfrm>
-          <a:prstGeom prst="rect">
-            <a:avLst/>
-          </a:prstGeom>
-        </p:spPr>
-      </p:pic>
-      <p:pic>
-        <p:nvPicPr>
-          <p:cNvPr id="13314" name="Picture 2" descr="Diagram przedstawiający relację między maszynami wirtualnymi, hostami dedykowanymi i grupami hostów.">
-            <a:extLst>
-              <a:ext uri="{FF2B5EF4-FFF2-40B4-BE49-F238E27FC236}">
-                <a16:creationId xmlns:a16="http://schemas.microsoft.com/office/drawing/2014/main" id="{EEE3B287-0A49-45F8-9827-A3BDB0B559A1}"/>
-              </a:ext>
-            </a:extLst>
-          </p:cNvPr>
-          <p:cNvPicPr>
-            <a:picLocks noChangeAspect="1" noChangeArrowheads="1"/>
-          </p:cNvPicPr>
-          <p:nvPr/>
-        </p:nvPicPr>
-        <p:blipFill>
-          <a:blip r:embed="rId3">
-            <a:extLst>
-              <a:ext uri="{28A0092B-C50C-407E-A947-70E740481C1C}">
-                <a14:useLocalDpi xmlns:a14="http://schemas.microsoft.com/office/drawing/2010/main" val="0"/>
-              </a:ext>
-            </a:extLst>
-          </a:blip>
-          <a:srcRect/>
-          <a:stretch>
-            <a:fillRect/>
-          </a:stretch>
-        </p:blipFill>
-        <p:spPr bwMode="auto">
-          <a:xfrm>
-            <a:off x="1588642" y="4372377"/>
-            <a:ext cx="7138109" cy="1497068"/>
-          </a:xfrm>
-          <a:prstGeom prst="rect">
-            <a:avLst/>
-          </a:prstGeom>
-          <a:noFill/>
-          <a:extLst>
-            <a:ext uri="{909E8E84-426E-40DD-AFC4-6F175D3DCCD1}">
-              <a14:hiddenFill xmlns:a14="http://schemas.microsoft.com/office/drawing/2010/main">
-                <a:solidFill>
-                  <a:srgbClr val="FFFFFF"/>
-                </a:solidFill>
-              </a14:hiddenFill>
-            </a:ext>
-          </a:extLst>
-        </p:spPr>
-      </p:pic>
-    </p:spTree>
-    <p:extLst>
-      <p:ext uri="{BB962C8B-B14F-4D97-AF65-F5344CB8AC3E}">
-        <p14:creationId xmlns:p14="http://schemas.microsoft.com/office/powerpoint/2010/main" val="426492529"/>
-      </p:ext>
-    </p:extLst>
-  </p:cSld>
-  <p:clrMapOvr>
-    <a:masterClrMapping/>
-  </p:clrMapOvr>
-</p:sld>
-</file>
-
-<file path=ppt/slides/slide4.xml><?xml version="1.0" encoding="utf-8"?>
+<file path=ppt/slides/slide3.xml><?xml version="1.0" encoding="utf-8"?>
 <p:sld xmlns:a="http://schemas.openxmlformats.org/drawingml/2006/main" xmlns:r="http://schemas.openxmlformats.org/officeDocument/2006/relationships" xmlns:p="http://schemas.openxmlformats.org/presentationml/2006/main">
   <p:cSld>
     <p:spTree>
@@ -11638,7 +10391,864 @@
 </p:sld>
 </file>
 
-<file path=ppt/slides/slide5.xml><?xml version="1.0" encoding="utf-8"?>
+<file path=ppt/slides/slide30.xml><?xml version="1.0" encoding="utf-8"?>
+<p:sld xmlns:a="http://schemas.openxmlformats.org/drawingml/2006/main" xmlns:r="http://schemas.openxmlformats.org/officeDocument/2006/relationships" xmlns:p="http://schemas.openxmlformats.org/presentationml/2006/main">
+  <p:cSld>
+    <p:spTree>
+      <p:nvGrpSpPr>
+        <p:cNvPr id="1" name=""/>
+        <p:cNvGrpSpPr/>
+        <p:nvPr/>
+      </p:nvGrpSpPr>
+      <p:grpSpPr>
+        <a:xfrm>
+          <a:off x="0" y="0"/>
+          <a:ext cx="0" cy="0"/>
+          <a:chOff x="0" y="0"/>
+          <a:chExt cx="0" cy="0"/>
+        </a:xfrm>
+      </p:grpSpPr>
+      <p:sp>
+        <p:nvSpPr>
+          <p:cNvPr id="2" name="Title 1">
+            <a:extLst>
+              <a:ext uri="{FF2B5EF4-FFF2-40B4-BE49-F238E27FC236}">
+                <a16:creationId xmlns:a16="http://schemas.microsoft.com/office/drawing/2014/main" id="{37257D22-F626-4B42-AE66-5536CBCD97F2}"/>
+              </a:ext>
+            </a:extLst>
+          </p:cNvPr>
+          <p:cNvSpPr>
+            <a:spLocks noGrp="1"/>
+          </p:cNvSpPr>
+          <p:nvPr>
+            <p:ph type="title"/>
+          </p:nvPr>
+        </p:nvSpPr>
+        <p:spPr/>
+        <p:txBody>
+          <a:bodyPr/>
+          <a:lstStyle/>
+          <a:p>
+            <a:r>
+              <a:rPr lang="en-US" dirty="0"/>
+              <a:t>Key Vault</a:t>
+            </a:r>
+            <a:endParaRPr lang="pl-PL" dirty="0"/>
+          </a:p>
+        </p:txBody>
+      </p:sp>
+      <p:sp>
+        <p:nvSpPr>
+          <p:cNvPr id="3" name="Content Placeholder 2">
+            <a:extLst>
+              <a:ext uri="{FF2B5EF4-FFF2-40B4-BE49-F238E27FC236}">
+                <a16:creationId xmlns:a16="http://schemas.microsoft.com/office/drawing/2014/main" id="{B4B96B2A-FFA7-42FF-8B6D-1A41F0030650}"/>
+              </a:ext>
+            </a:extLst>
+          </p:cNvPr>
+          <p:cNvSpPr>
+            <a:spLocks noGrp="1"/>
+          </p:cNvSpPr>
+          <p:nvPr>
+            <p:ph idx="1"/>
+          </p:nvPr>
+        </p:nvSpPr>
+        <p:spPr>
+          <a:xfrm>
+            <a:off x="1066800" y="2103120"/>
+            <a:ext cx="5029200" cy="3849624"/>
+          </a:xfrm>
+        </p:spPr>
+        <p:txBody>
+          <a:bodyPr/>
+          <a:lstStyle/>
+          <a:p>
+            <a:r>
+              <a:rPr lang="pl-PL" b="0" i="0" dirty="0">
+                <a:solidFill>
+                  <a:srgbClr val="171717"/>
+                </a:solidFill>
+                <a:effectLst/>
+              </a:rPr>
+              <a:t>Usługa </a:t>
+            </a:r>
+            <a:r>
+              <a:rPr lang="pl-PL" b="0" i="0" u="none" strike="noStrike" dirty="0" err="1">
+                <a:effectLst/>
+              </a:rPr>
+              <a:t>Azure</a:t>
+            </a:r>
+            <a:r>
+              <a:rPr lang="pl-PL" b="0" i="0" u="none" strike="noStrike" dirty="0">
+                <a:effectLst/>
+              </a:rPr>
+              <a:t> </a:t>
+            </a:r>
+            <a:r>
+              <a:rPr lang="pl-PL" b="0" i="0" u="none" strike="noStrike" dirty="0" err="1">
+                <a:effectLst/>
+              </a:rPr>
+              <a:t>Key</a:t>
+            </a:r>
+            <a:r>
+              <a:rPr lang="pl-PL" b="0" i="0" u="none" strike="noStrike" dirty="0">
+                <a:effectLst/>
+              </a:rPr>
+              <a:t> Vault</a:t>
+            </a:r>
+            <a:r>
+              <a:rPr lang="pl-PL" b="0" i="0" dirty="0">
+                <a:solidFill>
+                  <a:srgbClr val="171717"/>
+                </a:solidFill>
+                <a:effectLst/>
+              </a:rPr>
+              <a:t> jest scentralizowaną usługą w chmurze do przechowywania wpisów tajnych aplikacji w jednej centralnej lokalizacji. Oferuje bezpieczny dostęp do poufnych informacji przez zapewnienie możliwości kontroli dostępu i rejestrowania.</a:t>
+            </a:r>
+          </a:p>
+          <a:p>
+            <a:pPr algn="l"/>
+            <a:r>
+              <a:rPr lang="pl-PL" b="0" i="0" dirty="0" err="1">
+                <a:solidFill>
+                  <a:srgbClr val="171717"/>
+                </a:solidFill>
+                <a:effectLst/>
+              </a:rPr>
+              <a:t>Azure</a:t>
+            </a:r>
+            <a:r>
+              <a:rPr lang="pl-PL" b="0" i="0" dirty="0">
+                <a:solidFill>
+                  <a:srgbClr val="171717"/>
+                </a:solidFill>
+                <a:effectLst/>
+              </a:rPr>
+              <a:t> </a:t>
+            </a:r>
+            <a:r>
+              <a:rPr lang="pl-PL" b="0" i="0" dirty="0" err="1">
+                <a:solidFill>
+                  <a:srgbClr val="171717"/>
+                </a:solidFill>
+                <a:effectLst/>
+              </a:rPr>
+              <a:t>Key</a:t>
+            </a:r>
+            <a:r>
+              <a:rPr lang="pl-PL" b="0" i="0" dirty="0">
+                <a:solidFill>
+                  <a:srgbClr val="171717"/>
+                </a:solidFill>
+                <a:effectLst/>
+              </a:rPr>
+              <a:t> Vault może pomóc w następujących kwestiach:</a:t>
+            </a:r>
+          </a:p>
+          <a:p>
+            <a:pPr lvl="1">
+              <a:buFont typeface="Arial" panose="020B0604020202020204" pitchFamily="34" charset="0"/>
+              <a:buChar char="•"/>
+            </a:pPr>
+            <a:r>
+              <a:rPr lang="pl-PL" b="1" i="0" dirty="0">
+                <a:solidFill>
+                  <a:srgbClr val="171717"/>
+                </a:solidFill>
+                <a:effectLst/>
+              </a:rPr>
+              <a:t>Zarządzanie wpisami tajnymi</a:t>
+            </a:r>
+            <a:endParaRPr lang="pl-PL" b="0" i="0" dirty="0">
+              <a:solidFill>
+                <a:srgbClr val="171717"/>
+              </a:solidFill>
+              <a:effectLst/>
+            </a:endParaRPr>
+          </a:p>
+          <a:p>
+            <a:pPr lvl="1">
+              <a:buFont typeface="Arial" panose="020B0604020202020204" pitchFamily="34" charset="0"/>
+              <a:buChar char="•"/>
+            </a:pPr>
+            <a:r>
+              <a:rPr lang="pl-PL" b="1" i="0" dirty="0">
+                <a:solidFill>
+                  <a:srgbClr val="171717"/>
+                </a:solidFill>
+                <a:effectLst/>
+              </a:rPr>
+              <a:t>Zarządzanie kluczami szyfrowania</a:t>
+            </a:r>
+            <a:endParaRPr lang="pl-PL" b="0" i="0" dirty="0">
+              <a:solidFill>
+                <a:srgbClr val="171717"/>
+              </a:solidFill>
+              <a:effectLst/>
+            </a:endParaRPr>
+          </a:p>
+          <a:p>
+            <a:pPr lvl="1">
+              <a:buFont typeface="Arial" panose="020B0604020202020204" pitchFamily="34" charset="0"/>
+              <a:buChar char="•"/>
+            </a:pPr>
+            <a:r>
+              <a:rPr lang="pl-PL" b="1" i="0" dirty="0">
+                <a:solidFill>
+                  <a:srgbClr val="171717"/>
+                </a:solidFill>
+                <a:effectLst/>
+              </a:rPr>
+              <a:t>Zarządzanie certyfikatami SSL/TLS</a:t>
+            </a:r>
+            <a:endParaRPr lang="pl-PL" b="0" i="0" dirty="0">
+              <a:solidFill>
+                <a:srgbClr val="171717"/>
+              </a:solidFill>
+              <a:effectLst/>
+            </a:endParaRPr>
+          </a:p>
+          <a:p>
+            <a:pPr lvl="1">
+              <a:buFont typeface="Arial" panose="020B0604020202020204" pitchFamily="34" charset="0"/>
+              <a:buChar char="•"/>
+            </a:pPr>
+            <a:r>
+              <a:rPr lang="pl-PL" b="1" i="0" dirty="0">
+                <a:solidFill>
+                  <a:srgbClr val="171717"/>
+                </a:solidFill>
+                <a:effectLst/>
+              </a:rPr>
+              <a:t>Przechowywanie wpisów tajnych wspieranych przez moduły HSM (Hardware Security Module)</a:t>
+            </a:r>
+            <a:endParaRPr lang="pl-PL" dirty="0"/>
+          </a:p>
+        </p:txBody>
+      </p:sp>
+      <p:pic>
+        <p:nvPicPr>
+          <p:cNvPr id="5" name="Picture 4">
+            <a:extLst>
+              <a:ext uri="{FF2B5EF4-FFF2-40B4-BE49-F238E27FC236}">
+                <a16:creationId xmlns:a16="http://schemas.microsoft.com/office/drawing/2014/main" id="{5882AB7D-46F9-4FCF-A7AF-DCCB874CBBBF}"/>
+              </a:ext>
+            </a:extLst>
+          </p:cNvPr>
+          <p:cNvPicPr>
+            <a:picLocks noChangeAspect="1"/>
+          </p:cNvPicPr>
+          <p:nvPr/>
+        </p:nvPicPr>
+        <p:blipFill>
+          <a:blip r:embed="rId2"/>
+          <a:stretch>
+            <a:fillRect/>
+          </a:stretch>
+        </p:blipFill>
+        <p:spPr>
+          <a:xfrm>
+            <a:off x="7135160" y="2014194"/>
+            <a:ext cx="2994262" cy="2994262"/>
+          </a:xfrm>
+          <a:prstGeom prst="rect">
+            <a:avLst/>
+          </a:prstGeom>
+        </p:spPr>
+      </p:pic>
+    </p:spTree>
+    <p:extLst>
+      <p:ext uri="{BB962C8B-B14F-4D97-AF65-F5344CB8AC3E}">
+        <p14:creationId xmlns:p14="http://schemas.microsoft.com/office/powerpoint/2010/main" val="3750687055"/>
+      </p:ext>
+    </p:extLst>
+  </p:cSld>
+  <p:clrMapOvr>
+    <a:masterClrMapping/>
+  </p:clrMapOvr>
+</p:sld>
+</file>
+
+<file path=ppt/slides/slide31.xml><?xml version="1.0" encoding="utf-8"?>
+<p:sld xmlns:a="http://schemas.openxmlformats.org/drawingml/2006/main" xmlns:r="http://schemas.openxmlformats.org/officeDocument/2006/relationships" xmlns:p="http://schemas.openxmlformats.org/presentationml/2006/main">
+  <p:cSld>
+    <p:spTree>
+      <p:nvGrpSpPr>
+        <p:cNvPr id="1" name=""/>
+        <p:cNvGrpSpPr/>
+        <p:nvPr/>
+      </p:nvGrpSpPr>
+      <p:grpSpPr>
+        <a:xfrm>
+          <a:off x="0" y="0"/>
+          <a:ext cx="0" cy="0"/>
+          <a:chOff x="0" y="0"/>
+          <a:chExt cx="0" cy="0"/>
+        </a:xfrm>
+      </p:grpSpPr>
+      <p:sp>
+        <p:nvSpPr>
+          <p:cNvPr id="2" name="Title 1">
+            <a:extLst>
+              <a:ext uri="{FF2B5EF4-FFF2-40B4-BE49-F238E27FC236}">
+                <a16:creationId xmlns:a16="http://schemas.microsoft.com/office/drawing/2014/main" id="{09136CAF-A768-4DB3-8DB8-1ECE765FAC26}"/>
+              </a:ext>
+            </a:extLst>
+          </p:cNvPr>
+          <p:cNvSpPr>
+            <a:spLocks noGrp="1"/>
+          </p:cNvSpPr>
+          <p:nvPr>
+            <p:ph type="title"/>
+          </p:nvPr>
+        </p:nvSpPr>
+        <p:spPr/>
+        <p:txBody>
+          <a:bodyPr/>
+          <a:lstStyle/>
+          <a:p>
+            <a:r>
+              <a:rPr lang="en-US" dirty="0"/>
+              <a:t>Azure Sentinel</a:t>
+            </a:r>
+            <a:endParaRPr lang="pl-PL" dirty="0"/>
+          </a:p>
+        </p:txBody>
+      </p:sp>
+      <p:sp>
+        <p:nvSpPr>
+          <p:cNvPr id="3" name="Content Placeholder 2">
+            <a:extLst>
+              <a:ext uri="{FF2B5EF4-FFF2-40B4-BE49-F238E27FC236}">
+                <a16:creationId xmlns:a16="http://schemas.microsoft.com/office/drawing/2014/main" id="{7B29005D-93E9-4C40-A5D1-5F645D5EB665}"/>
+              </a:ext>
+            </a:extLst>
+          </p:cNvPr>
+          <p:cNvSpPr>
+            <a:spLocks noGrp="1"/>
+          </p:cNvSpPr>
+          <p:nvPr>
+            <p:ph idx="1"/>
+          </p:nvPr>
+        </p:nvSpPr>
+        <p:spPr>
+          <a:xfrm>
+            <a:off x="1066800" y="2103120"/>
+            <a:ext cx="5029200" cy="3849624"/>
+          </a:xfrm>
+        </p:spPr>
+        <p:txBody>
+          <a:bodyPr>
+            <a:normAutofit lnSpcReduction="10000"/>
+          </a:bodyPr>
+          <a:lstStyle/>
+          <a:p>
+            <a:pPr algn="l"/>
+            <a:r>
+              <a:rPr lang="pl-PL" b="0" i="0" dirty="0">
+                <a:solidFill>
+                  <a:srgbClr val="171717"/>
+                </a:solidFill>
+                <a:effectLst/>
+              </a:rPr>
+              <a:t>Zarządzanie zabezpieczeniami na dużą skalę może skorzystać z dedykowanego systemu zarządzania informacjami i zdarzeniami zabezpieczeń (SIEM). System SIEM agreguje dane zabezpieczeń z wielu różnych źródeł (pod warunkiem, że te źródła obsługują otwarty standardowy format logowania). Zapewnia to również dodatkowe możliwości wykrywania zagrożeń i reagowania na nie.</a:t>
+            </a:r>
+          </a:p>
+          <a:p>
+            <a:pPr algn="l"/>
+            <a:r>
+              <a:rPr lang="pl-PL" b="0" i="0" dirty="0">
+                <a:solidFill>
+                  <a:srgbClr val="171717"/>
+                </a:solidFill>
+                <a:effectLst/>
+              </a:rPr>
+              <a:t>Usługa </a:t>
+            </a:r>
+            <a:r>
+              <a:rPr lang="pl-PL" b="0" i="0" dirty="0" err="1">
+                <a:solidFill>
+                  <a:srgbClr val="171717"/>
+                </a:solidFill>
+                <a:effectLst/>
+              </a:rPr>
+              <a:t>Azure</a:t>
+            </a:r>
+            <a:r>
+              <a:rPr lang="pl-PL" b="0" i="0" dirty="0">
+                <a:solidFill>
+                  <a:srgbClr val="171717"/>
+                </a:solidFill>
+                <a:effectLst/>
+              </a:rPr>
+              <a:t> </a:t>
+            </a:r>
+            <a:r>
+              <a:rPr lang="pl-PL" b="0" i="0" dirty="0" err="1">
+                <a:solidFill>
+                  <a:srgbClr val="171717"/>
+                </a:solidFill>
+                <a:effectLst/>
+              </a:rPr>
+              <a:t>Sentinel</a:t>
+            </a:r>
+            <a:r>
+              <a:rPr lang="pl-PL" b="0" i="0" dirty="0">
+                <a:solidFill>
+                  <a:srgbClr val="171717"/>
+                </a:solidFill>
+                <a:effectLst/>
+              </a:rPr>
+              <a:t> zapewnia następujące możliwości:</a:t>
+            </a:r>
+          </a:p>
+          <a:p>
+            <a:pPr lvl="1">
+              <a:buFont typeface="Arial" panose="020B0604020202020204" pitchFamily="34" charset="0"/>
+              <a:buChar char="•"/>
+            </a:pPr>
+            <a:r>
+              <a:rPr lang="pl-PL" b="1" i="0" dirty="0">
+                <a:solidFill>
+                  <a:srgbClr val="171717"/>
+                </a:solidFill>
+                <a:effectLst/>
+              </a:rPr>
+              <a:t>Zbieranie danych w chmurze na dużą skalę</a:t>
+            </a:r>
+            <a:endParaRPr lang="pl-PL" b="0" i="0" dirty="0">
+              <a:solidFill>
+                <a:srgbClr val="171717"/>
+              </a:solidFill>
+              <a:effectLst/>
+            </a:endParaRPr>
+          </a:p>
+          <a:p>
+            <a:pPr lvl="1">
+              <a:buFont typeface="Arial" panose="020B0604020202020204" pitchFamily="34" charset="0"/>
+              <a:buChar char="•"/>
+            </a:pPr>
+            <a:r>
+              <a:rPr lang="pl-PL" b="1" i="0" dirty="0">
+                <a:solidFill>
+                  <a:srgbClr val="171717"/>
+                </a:solidFill>
+                <a:effectLst/>
+              </a:rPr>
+              <a:t>Wykrywanie wcześniej niewykrytych zagrożeń</a:t>
+            </a:r>
+            <a:endParaRPr lang="pl-PL" b="0" i="0" dirty="0">
+              <a:solidFill>
+                <a:srgbClr val="171717"/>
+              </a:solidFill>
+              <a:effectLst/>
+            </a:endParaRPr>
+          </a:p>
+          <a:p>
+            <a:pPr lvl="1">
+              <a:buFont typeface="Arial" panose="020B0604020202020204" pitchFamily="34" charset="0"/>
+              <a:buChar char="•"/>
+            </a:pPr>
+            <a:r>
+              <a:rPr lang="pl-PL" b="1" i="0" dirty="0">
+                <a:solidFill>
+                  <a:srgbClr val="171717"/>
+                </a:solidFill>
+                <a:effectLst/>
+              </a:rPr>
+              <a:t>Badanie zagrożeń przy użyciu sztucznej inteligencji</a:t>
+            </a:r>
+            <a:endParaRPr lang="pl-PL" b="0" i="0" dirty="0">
+              <a:solidFill>
+                <a:srgbClr val="171717"/>
+              </a:solidFill>
+              <a:effectLst/>
+            </a:endParaRPr>
+          </a:p>
+          <a:p>
+            <a:pPr lvl="1">
+              <a:buFont typeface="Arial" panose="020B0604020202020204" pitchFamily="34" charset="0"/>
+              <a:buChar char="•"/>
+            </a:pPr>
+            <a:r>
+              <a:rPr lang="pl-PL" b="1" i="0" dirty="0">
+                <a:solidFill>
+                  <a:srgbClr val="171717"/>
+                </a:solidFill>
+                <a:effectLst/>
+              </a:rPr>
+              <a:t>Szybkie reagowanie na zdarzenia</a:t>
+            </a:r>
+            <a:endParaRPr lang="pl-PL" b="0" i="0" dirty="0">
+              <a:solidFill>
+                <a:srgbClr val="171717"/>
+              </a:solidFill>
+              <a:effectLst/>
+            </a:endParaRPr>
+          </a:p>
+          <a:p>
+            <a:endParaRPr lang="pl-PL" dirty="0"/>
+          </a:p>
+        </p:txBody>
+      </p:sp>
+      <p:pic>
+        <p:nvPicPr>
+          <p:cNvPr id="12290" name="Picture 2" descr="Azure Sentinel – natywne dla chmury rozwiązanie SIEM | Microsoft Azure">
+            <a:extLst>
+              <a:ext uri="{FF2B5EF4-FFF2-40B4-BE49-F238E27FC236}">
+                <a16:creationId xmlns:a16="http://schemas.microsoft.com/office/drawing/2014/main" id="{9C1422E3-B514-49E1-97B1-B9873858940A}"/>
+              </a:ext>
+            </a:extLst>
+          </p:cNvPr>
+          <p:cNvPicPr>
+            <a:picLocks noChangeAspect="1" noChangeArrowheads="1"/>
+          </p:cNvPicPr>
+          <p:nvPr/>
+        </p:nvPicPr>
+        <p:blipFill>
+          <a:blip r:embed="rId2">
+            <a:extLst>
+              <a:ext uri="{28A0092B-C50C-407E-A947-70E740481C1C}">
+                <a14:useLocalDpi xmlns:a14="http://schemas.microsoft.com/office/drawing/2010/main" val="0"/>
+              </a:ext>
+            </a:extLst>
+          </a:blip>
+          <a:srcRect/>
+          <a:stretch>
+            <a:fillRect/>
+          </a:stretch>
+        </p:blipFill>
+        <p:spPr bwMode="auto">
+          <a:xfrm>
+            <a:off x="5623264" y="2014194"/>
+            <a:ext cx="5715000" cy="3000375"/>
+          </a:xfrm>
+          <a:prstGeom prst="rect">
+            <a:avLst/>
+          </a:prstGeom>
+          <a:noFill/>
+          <a:extLst>
+            <a:ext uri="{909E8E84-426E-40DD-AFC4-6F175D3DCCD1}">
+              <a14:hiddenFill xmlns:a14="http://schemas.microsoft.com/office/drawing/2010/main">
+                <a:solidFill>
+                  <a:srgbClr val="FFFFFF"/>
+                </a:solidFill>
+              </a14:hiddenFill>
+            </a:ext>
+          </a:extLst>
+        </p:spPr>
+      </p:pic>
+    </p:spTree>
+    <p:extLst>
+      <p:ext uri="{BB962C8B-B14F-4D97-AF65-F5344CB8AC3E}">
+        <p14:creationId xmlns:p14="http://schemas.microsoft.com/office/powerpoint/2010/main" val="1695271242"/>
+      </p:ext>
+    </p:extLst>
+  </p:cSld>
+  <p:clrMapOvr>
+    <a:masterClrMapping/>
+  </p:clrMapOvr>
+</p:sld>
+</file>
+
+<file path=ppt/slides/slide32.xml><?xml version="1.0" encoding="utf-8"?>
+<p:sld xmlns:a="http://schemas.openxmlformats.org/drawingml/2006/main" xmlns:r="http://schemas.openxmlformats.org/officeDocument/2006/relationships" xmlns:p="http://schemas.openxmlformats.org/presentationml/2006/main">
+  <p:cSld>
+    <p:spTree>
+      <p:nvGrpSpPr>
+        <p:cNvPr id="1" name=""/>
+        <p:cNvGrpSpPr/>
+        <p:nvPr/>
+      </p:nvGrpSpPr>
+      <p:grpSpPr>
+        <a:xfrm>
+          <a:off x="0" y="0"/>
+          <a:ext cx="0" cy="0"/>
+          <a:chOff x="0" y="0"/>
+          <a:chExt cx="0" cy="0"/>
+        </a:xfrm>
+      </p:grpSpPr>
+      <p:sp>
+        <p:nvSpPr>
+          <p:cNvPr id="2" name="Title 1">
+            <a:extLst>
+              <a:ext uri="{FF2B5EF4-FFF2-40B4-BE49-F238E27FC236}">
+                <a16:creationId xmlns:a16="http://schemas.microsoft.com/office/drawing/2014/main" id="{4D0197D5-A08B-40B6-83C6-5B2FD24DE13E}"/>
+              </a:ext>
+            </a:extLst>
+          </p:cNvPr>
+          <p:cNvSpPr>
+            <a:spLocks noGrp="1"/>
+          </p:cNvSpPr>
+          <p:nvPr>
+            <p:ph type="title"/>
+          </p:nvPr>
+        </p:nvSpPr>
+        <p:spPr/>
+        <p:txBody>
+          <a:bodyPr/>
+          <a:lstStyle/>
+          <a:p>
+            <a:r>
+              <a:rPr lang="en-US" dirty="0"/>
+              <a:t>Azure Dedicated Hosts</a:t>
+            </a:r>
+            <a:endParaRPr lang="pl-PL" dirty="0"/>
+          </a:p>
+        </p:txBody>
+      </p:sp>
+      <p:sp>
+        <p:nvSpPr>
+          <p:cNvPr id="3" name="Content Placeholder 2">
+            <a:extLst>
+              <a:ext uri="{FF2B5EF4-FFF2-40B4-BE49-F238E27FC236}">
+                <a16:creationId xmlns:a16="http://schemas.microsoft.com/office/drawing/2014/main" id="{64A50C24-7D25-435E-86D5-A13409D7724A}"/>
+              </a:ext>
+            </a:extLst>
+          </p:cNvPr>
+          <p:cNvSpPr>
+            <a:spLocks noGrp="1"/>
+          </p:cNvSpPr>
+          <p:nvPr>
+            <p:ph idx="1"/>
+          </p:nvPr>
+        </p:nvSpPr>
+        <p:spPr>
+          <a:xfrm>
+            <a:off x="1066800" y="2103120"/>
+            <a:ext cx="5029200" cy="3849624"/>
+          </a:xfrm>
+        </p:spPr>
+        <p:txBody>
+          <a:bodyPr>
+            <a:normAutofit/>
+          </a:bodyPr>
+          <a:lstStyle/>
+          <a:p>
+            <a:pPr algn="l"/>
+            <a:r>
+              <a:rPr lang="pl-PL" b="0" i="0" dirty="0">
+                <a:solidFill>
+                  <a:srgbClr val="171717"/>
+                </a:solidFill>
+                <a:effectLst/>
+                <a:latin typeface="Segoe UI" panose="020B0502040204020203" pitchFamily="34" charset="0"/>
+              </a:rPr>
+              <a:t>Usługa </a:t>
+            </a:r>
+            <a:r>
+              <a:rPr lang="pl-PL" b="0" i="0" dirty="0" err="1">
+                <a:solidFill>
+                  <a:srgbClr val="171717"/>
+                </a:solidFill>
+                <a:effectLst/>
+                <a:latin typeface="Segoe UI" panose="020B0502040204020203" pitchFamily="34" charset="0"/>
+              </a:rPr>
+              <a:t>Azure</a:t>
+            </a:r>
+            <a:r>
+              <a:rPr lang="pl-PL" b="0" i="0" dirty="0">
+                <a:solidFill>
+                  <a:srgbClr val="171717"/>
+                </a:solidFill>
+                <a:effectLst/>
+                <a:latin typeface="Segoe UI" panose="020B0502040204020203" pitchFamily="34" charset="0"/>
+              </a:rPr>
+              <a:t> </a:t>
+            </a:r>
+            <a:r>
+              <a:rPr lang="pl-PL" b="0" i="0" dirty="0" err="1">
+                <a:solidFill>
+                  <a:srgbClr val="171717"/>
+                </a:solidFill>
+                <a:effectLst/>
+                <a:latin typeface="Segoe UI" panose="020B0502040204020203" pitchFamily="34" charset="0"/>
+              </a:rPr>
+              <a:t>Dedicated</a:t>
+            </a:r>
+            <a:r>
+              <a:rPr lang="pl-PL" b="0" i="0" dirty="0">
+                <a:solidFill>
+                  <a:srgbClr val="171717"/>
+                </a:solidFill>
+                <a:effectLst/>
+                <a:latin typeface="Segoe UI" panose="020B0502040204020203" pitchFamily="34" charset="0"/>
+              </a:rPr>
+              <a:t> Host:</a:t>
+            </a:r>
+          </a:p>
+          <a:p>
+            <a:pPr lvl="1">
+              <a:buFont typeface="Arial" panose="020B0604020202020204" pitchFamily="34" charset="0"/>
+              <a:buChar char="•"/>
+            </a:pPr>
+            <a:r>
+              <a:rPr lang="pl-PL" b="0" i="0" dirty="0">
+                <a:solidFill>
+                  <a:srgbClr val="171717"/>
+                </a:solidFill>
+                <a:effectLst/>
+                <a:latin typeface="Segoe UI" panose="020B0502040204020203" pitchFamily="34" charset="0"/>
+              </a:rPr>
+              <a:t>Zapewnia wgląd w infrastrukturę serwera, na której są uruchomione maszyny wirtualne platformy </a:t>
+            </a:r>
+            <a:r>
+              <a:rPr lang="pl-PL" b="0" i="0" dirty="0" err="1">
+                <a:solidFill>
+                  <a:srgbClr val="171717"/>
+                </a:solidFill>
+                <a:effectLst/>
+                <a:latin typeface="Segoe UI" panose="020B0502040204020203" pitchFamily="34" charset="0"/>
+              </a:rPr>
+              <a:t>Azure</a:t>
+            </a:r>
+            <a:r>
+              <a:rPr lang="pl-PL" b="0" i="0" dirty="0">
+                <a:solidFill>
+                  <a:srgbClr val="171717"/>
+                </a:solidFill>
+                <a:effectLst/>
+                <a:latin typeface="Segoe UI" panose="020B0502040204020203" pitchFamily="34" charset="0"/>
+              </a:rPr>
+              <a:t>, i kontrolę nad nią.</a:t>
+            </a:r>
+          </a:p>
+          <a:p>
+            <a:pPr lvl="1">
+              <a:buFont typeface="Arial" panose="020B0604020202020204" pitchFamily="34" charset="0"/>
+              <a:buChar char="•"/>
+            </a:pPr>
+            <a:r>
+              <a:rPr lang="pl-PL" b="0" i="0" dirty="0">
+                <a:solidFill>
+                  <a:srgbClr val="171717"/>
+                </a:solidFill>
+                <a:effectLst/>
+                <a:latin typeface="Segoe UI" panose="020B0502040204020203" pitchFamily="34" charset="0"/>
+              </a:rPr>
+              <a:t>Ułatwia spełnianie wymagań dotyczących zgodności przez wdrożenie obciążeń na serwerze izolowanym.</a:t>
+            </a:r>
+          </a:p>
+          <a:p>
+            <a:pPr lvl="1">
+              <a:buFont typeface="Arial" panose="020B0604020202020204" pitchFamily="34" charset="0"/>
+              <a:buChar char="•"/>
+            </a:pPr>
+            <a:r>
+              <a:rPr lang="pl-PL" b="0" i="0" dirty="0">
+                <a:solidFill>
+                  <a:srgbClr val="171717"/>
+                </a:solidFill>
+                <a:effectLst/>
+                <a:latin typeface="Segoe UI" panose="020B0502040204020203" pitchFamily="34" charset="0"/>
+              </a:rPr>
+              <a:t>Pozwala na wybranie liczby procesorów, możliwości serwera, serii maszyn wirtualnych i rozmiarów maszyn wirtualnych w ramach tego samego hosta.</a:t>
+            </a:r>
+          </a:p>
+          <a:p>
+            <a:endParaRPr lang="pl-PL" b="0" i="0" dirty="0">
+              <a:solidFill>
+                <a:srgbClr val="171717"/>
+              </a:solidFill>
+              <a:effectLst/>
+            </a:endParaRPr>
+          </a:p>
+          <a:p>
+            <a:endParaRPr lang="pl-PL" dirty="0"/>
+          </a:p>
+        </p:txBody>
+      </p:sp>
+      <p:pic>
+        <p:nvPicPr>
+          <p:cNvPr id="5" name="Picture 4">
+            <a:extLst>
+              <a:ext uri="{FF2B5EF4-FFF2-40B4-BE49-F238E27FC236}">
+                <a16:creationId xmlns:a16="http://schemas.microsoft.com/office/drawing/2014/main" id="{A5A28CBB-BB47-41ED-A6E0-32DB342925AA}"/>
+              </a:ext>
+            </a:extLst>
+          </p:cNvPr>
+          <p:cNvPicPr>
+            <a:picLocks noChangeAspect="1"/>
+          </p:cNvPicPr>
+          <p:nvPr/>
+        </p:nvPicPr>
+        <p:blipFill>
+          <a:blip r:embed="rId2"/>
+          <a:stretch>
+            <a:fillRect/>
+          </a:stretch>
+        </p:blipFill>
+        <p:spPr>
+          <a:xfrm>
+            <a:off x="7508021" y="1340261"/>
+            <a:ext cx="2088739" cy="2088739"/>
+          </a:xfrm>
+          <a:prstGeom prst="rect">
+            <a:avLst/>
+          </a:prstGeom>
+        </p:spPr>
+      </p:pic>
+      <p:pic>
+        <p:nvPicPr>
+          <p:cNvPr id="13314" name="Picture 2" descr="Diagram przedstawiający relację między maszynami wirtualnymi, hostami dedykowanymi i grupami hostów.">
+            <a:extLst>
+              <a:ext uri="{FF2B5EF4-FFF2-40B4-BE49-F238E27FC236}">
+                <a16:creationId xmlns:a16="http://schemas.microsoft.com/office/drawing/2014/main" id="{EEE3B287-0A49-45F8-9827-A3BDB0B559A1}"/>
+              </a:ext>
+            </a:extLst>
+          </p:cNvPr>
+          <p:cNvPicPr>
+            <a:picLocks noChangeAspect="1" noChangeArrowheads="1"/>
+          </p:cNvPicPr>
+          <p:nvPr/>
+        </p:nvPicPr>
+        <p:blipFill>
+          <a:blip r:embed="rId3">
+            <a:extLst>
+              <a:ext uri="{28A0092B-C50C-407E-A947-70E740481C1C}">
+                <a14:useLocalDpi xmlns:a14="http://schemas.microsoft.com/office/drawing/2010/main" val="0"/>
+              </a:ext>
+            </a:extLst>
+          </a:blip>
+          <a:srcRect/>
+          <a:stretch>
+            <a:fillRect/>
+          </a:stretch>
+        </p:blipFill>
+        <p:spPr bwMode="auto">
+          <a:xfrm>
+            <a:off x="1588642" y="4372377"/>
+            <a:ext cx="7138109" cy="1497068"/>
+          </a:xfrm>
+          <a:prstGeom prst="rect">
+            <a:avLst/>
+          </a:prstGeom>
+          <a:noFill/>
+          <a:extLst>
+            <a:ext uri="{909E8E84-426E-40DD-AFC4-6F175D3DCCD1}">
+              <a14:hiddenFill xmlns:a14="http://schemas.microsoft.com/office/drawing/2010/main">
+                <a:solidFill>
+                  <a:srgbClr val="FFFFFF"/>
+                </a:solidFill>
+              </a14:hiddenFill>
+            </a:ext>
+          </a:extLst>
+        </p:spPr>
+      </p:pic>
+    </p:spTree>
+    <p:extLst>
+      <p:ext uri="{BB962C8B-B14F-4D97-AF65-F5344CB8AC3E}">
+        <p14:creationId xmlns:p14="http://schemas.microsoft.com/office/powerpoint/2010/main" val="426492529"/>
+      </p:ext>
+    </p:extLst>
+  </p:cSld>
+  <p:clrMapOvr>
+    <a:masterClrMapping/>
+  </p:clrMapOvr>
+</p:sld>
+</file>
+
+<file path=ppt/slides/slide4.xml><?xml version="1.0" encoding="utf-8"?>
 <p:sld xmlns:a="http://schemas.openxmlformats.org/drawingml/2006/main" xmlns:r="http://schemas.openxmlformats.org/officeDocument/2006/relationships" xmlns:p="http://schemas.openxmlformats.org/presentationml/2006/main">
   <p:cSld>
     <p:spTree>
@@ -11849,7 +11459,7 @@
 </p:sld>
 </file>
 
-<file path=ppt/slides/slide6.xml><?xml version="1.0" encoding="utf-8"?>
+<file path=ppt/slides/slide5.xml><?xml version="1.0" encoding="utf-8"?>
 <p:sld xmlns:a="http://schemas.openxmlformats.org/drawingml/2006/main" xmlns:r="http://schemas.openxmlformats.org/officeDocument/2006/relationships" xmlns:p="http://schemas.openxmlformats.org/presentationml/2006/main">
   <p:cSld>
     <p:spTree>
@@ -12272,7 +11882,7 @@
 </p:sld>
 </file>
 
-<file path=ppt/slides/slide7.xml><?xml version="1.0" encoding="utf-8"?>
+<file path=ppt/slides/slide6.xml><?xml version="1.0" encoding="utf-8"?>
 <p:sld xmlns:a="http://schemas.openxmlformats.org/drawingml/2006/main" xmlns:r="http://schemas.openxmlformats.org/officeDocument/2006/relationships" xmlns:p="http://schemas.openxmlformats.org/presentationml/2006/main">
   <p:cSld>
     <p:spTree>
@@ -12694,7 +12304,7 @@
 </p:sld>
 </file>
 
-<file path=ppt/slides/slide8.xml><?xml version="1.0" encoding="utf-8"?>
+<file path=ppt/slides/slide7.xml><?xml version="1.0" encoding="utf-8"?>
 <p:sld xmlns:a="http://schemas.openxmlformats.org/drawingml/2006/main" xmlns:r="http://schemas.openxmlformats.org/officeDocument/2006/relationships" xmlns:p="http://schemas.openxmlformats.org/presentationml/2006/main">
   <p:cSld>
     <p:spTree>
@@ -13097,7 +12707,7 @@
 </p:sld>
 </file>
 
-<file path=ppt/slides/slide9.xml><?xml version="1.0" encoding="utf-8"?>
+<file path=ppt/slides/slide8.xml><?xml version="1.0" encoding="utf-8"?>
 <p:sld xmlns:a="http://schemas.openxmlformats.org/drawingml/2006/main" xmlns:r="http://schemas.openxmlformats.org/officeDocument/2006/relationships" xmlns:p="http://schemas.openxmlformats.org/presentationml/2006/main">
   <p:cSld>
     <p:spTree>
@@ -13398,6 +13008,89 @@
     <p:extLst>
       <p:ext uri="{BB962C8B-B14F-4D97-AF65-F5344CB8AC3E}">
         <p14:creationId xmlns:p14="http://schemas.microsoft.com/office/powerpoint/2010/main" val="1024911072"/>
+      </p:ext>
+    </p:extLst>
+  </p:cSld>
+  <p:clrMapOvr>
+    <a:masterClrMapping/>
+  </p:clrMapOvr>
+</p:sld>
+</file>
+
+<file path=ppt/slides/slide9.xml><?xml version="1.0" encoding="utf-8"?>
+<p:sld xmlns:a="http://schemas.openxmlformats.org/drawingml/2006/main" xmlns:r="http://schemas.openxmlformats.org/officeDocument/2006/relationships" xmlns:p="http://schemas.openxmlformats.org/presentationml/2006/main">
+  <p:cSld>
+    <p:spTree>
+      <p:nvGrpSpPr>
+        <p:cNvPr id="1" name=""/>
+        <p:cNvGrpSpPr/>
+        <p:nvPr/>
+      </p:nvGrpSpPr>
+      <p:grpSpPr>
+        <a:xfrm>
+          <a:off x="0" y="0"/>
+          <a:ext cx="0" cy="0"/>
+          <a:chOff x="0" y="0"/>
+          <a:chExt cx="0" cy="0"/>
+        </a:xfrm>
+      </p:grpSpPr>
+      <p:sp>
+        <p:nvSpPr>
+          <p:cNvPr id="2" name="Title 1">
+            <a:extLst>
+              <a:ext uri="{FF2B5EF4-FFF2-40B4-BE49-F238E27FC236}">
+                <a16:creationId xmlns:a16="http://schemas.microsoft.com/office/drawing/2014/main" id="{ACD4D71D-C98A-41A3-A510-705F20250839}"/>
+              </a:ext>
+            </a:extLst>
+          </p:cNvPr>
+          <p:cNvSpPr>
+            <a:spLocks noGrp="1"/>
+          </p:cNvSpPr>
+          <p:nvPr>
+            <p:ph type="title"/>
+          </p:nvPr>
+        </p:nvSpPr>
+        <p:spPr/>
+        <p:txBody>
+          <a:bodyPr/>
+          <a:lstStyle/>
+          <a:p>
+            <a:r>
+              <a:rPr lang="pl-PL" dirty="0"/>
+              <a:t>Databases</a:t>
+            </a:r>
+          </a:p>
+        </p:txBody>
+      </p:sp>
+      <p:sp>
+        <p:nvSpPr>
+          <p:cNvPr id="3" name="Text Placeholder 2">
+            <a:extLst>
+              <a:ext uri="{FF2B5EF4-FFF2-40B4-BE49-F238E27FC236}">
+                <a16:creationId xmlns:a16="http://schemas.microsoft.com/office/drawing/2014/main" id="{95A9AE80-FEF0-4862-94F2-882F826C199E}"/>
+              </a:ext>
+            </a:extLst>
+          </p:cNvPr>
+          <p:cNvSpPr>
+            <a:spLocks noGrp="1"/>
+          </p:cNvSpPr>
+          <p:nvPr>
+            <p:ph type="body" idx="1"/>
+          </p:nvPr>
+        </p:nvSpPr>
+        <p:spPr/>
+        <p:txBody>
+          <a:bodyPr/>
+          <a:lstStyle/>
+          <a:p>
+            <a:endParaRPr lang="pl-PL"/>
+          </a:p>
+        </p:txBody>
+      </p:sp>
+    </p:spTree>
+    <p:extLst>
+      <p:ext uri="{BB962C8B-B14F-4D97-AF65-F5344CB8AC3E}">
+        <p14:creationId xmlns:p14="http://schemas.microsoft.com/office/powerpoint/2010/main" val="1400371646"/>
       </p:ext>
     </p:extLst>
   </p:cSld>
@@ -13988,6 +13681,15 @@
 </file>
 
 <file path=customXml/item2.xml><?xml version="1.0" encoding="utf-8"?>
+<p:properties xmlns:p="http://schemas.microsoft.com/office/2006/metadata/properties" xmlns:xsi="http://www.w3.org/2001/XMLSchema-instance" xmlns:pc="http://schemas.microsoft.com/office/infopath/2007/PartnerControls">
+  <documentManagement>
+    <Status xmlns="71af3243-3dd4-4a8d-8c0d-dd76da1f02a5">Not started</Status>
+    <MediaServiceKeyPoints xmlns="71af3243-3dd4-4a8d-8c0d-dd76da1f02a5" xsi:nil="true"/>
+  </documentManagement>
+</p:properties>
+</file>
+
+<file path=customXml/item3.xml><?xml version="1.0" encoding="utf-8"?>
 <ct:contentTypeSchema xmlns:ct="http://schemas.microsoft.com/office/2006/metadata/contentType" xmlns:ma="http://schemas.microsoft.com/office/2006/metadata/properties/metaAttributes" ct:_="" ma:_="" ma:contentTypeName="Document" ma:contentTypeID="0x01010079F111ED35F8CC479449609E8A0923A6" ma:contentTypeVersion="12" ma:contentTypeDescription="Create a new document." ma:contentTypeScope="" ma:versionID="a410dd7f93c95333ffa1b60ed6adedd1">
   <xsd:schema xmlns:xsd="http://www.w3.org/2001/XMLSchema" xmlns:xs="http://www.w3.org/2001/XMLSchema" xmlns:p="http://schemas.microsoft.com/office/2006/metadata/properties" xmlns:ns2="71af3243-3dd4-4a8d-8c0d-dd76da1f02a5" xmlns:ns3="16c05727-aa75-4e4a-9b5f-8a80a1165891" targetNamespace="http://schemas.microsoft.com/office/2006/metadata/properties" ma:root="true" ma:fieldsID="a936d9baba76aa3866493feff160faab" ns2:_="" ns3:_="">
     <xsd:import namespace="71af3243-3dd4-4a8d-8c0d-dd76da1f02a5"/>
@@ -14208,15 +13910,6 @@
 </ct:contentTypeSchema>
 </file>
 
-<file path=customXml/item3.xml><?xml version="1.0" encoding="utf-8"?>
-<p:properties xmlns:p="http://schemas.microsoft.com/office/2006/metadata/properties" xmlns:xsi="http://www.w3.org/2001/XMLSchema-instance" xmlns:pc="http://schemas.microsoft.com/office/infopath/2007/PartnerControls">
-  <documentManagement>
-    <Status xmlns="71af3243-3dd4-4a8d-8c0d-dd76da1f02a5">Not started</Status>
-    <MediaServiceKeyPoints xmlns="71af3243-3dd4-4a8d-8c0d-dd76da1f02a5" xsi:nil="true"/>
-  </documentManagement>
-</p:properties>
-</file>
-
 <file path=customXml/itemProps1.xml><?xml version="1.0" encoding="utf-8"?>
 <ds:datastoreItem xmlns:ds="http://schemas.openxmlformats.org/officeDocument/2006/customXml" ds:itemID="{CDB58277-F8DF-46FF-84EC-EF41B835E69F}">
   <ds:schemaRefs>
@@ -14226,6 +13919,16 @@
 </file>
 
 <file path=customXml/itemProps2.xml><?xml version="1.0" encoding="utf-8"?>
+<ds:datastoreItem xmlns:ds="http://schemas.openxmlformats.org/officeDocument/2006/customXml" ds:itemID="{137651BA-F45C-4845-9AB3-E0A65B39F5E1}">
+  <ds:schemaRefs>
+    <ds:schemaRef ds:uri="http://schemas.microsoft.com/office/2006/metadata/properties"/>
+    <ds:schemaRef ds:uri="http://schemas.microsoft.com/office/infopath/2007/PartnerControls"/>
+    <ds:schemaRef ds:uri="71af3243-3dd4-4a8d-8c0d-dd76da1f02a5"/>
+  </ds:schemaRefs>
+</ds:datastoreItem>
+</file>
+
+<file path=customXml/itemProps3.xml><?xml version="1.0" encoding="utf-8"?>
 <ds:datastoreItem xmlns:ds="http://schemas.openxmlformats.org/officeDocument/2006/customXml" ds:itemID="{2D276E62-80A3-44DD-9BCC-97ED2B99B57F}">
   <ds:schemaRefs>
     <ds:schemaRef ds:uri="http://schemas.microsoft.com/office/2006/metadata/contentType"/>
@@ -14242,14 +13945,4 @@
     <ds:schemaRef ds:uri="http://schemas.microsoft.com/internal/obd"/>
   </ds:schemaRefs>
 </ds:datastoreItem>
-</file>
-
-<file path=customXml/itemProps3.xml><?xml version="1.0" encoding="utf-8"?>
-<ds:datastoreItem xmlns:ds="http://schemas.openxmlformats.org/officeDocument/2006/customXml" ds:itemID="{137651BA-F45C-4845-9AB3-E0A65B39F5E1}">
-  <ds:schemaRefs>
-    <ds:schemaRef ds:uri="http://schemas.microsoft.com/office/2006/metadata/properties"/>
-    <ds:schemaRef ds:uri="http://schemas.microsoft.com/office/infopath/2007/PartnerControls"/>
-    <ds:schemaRef ds:uri="71af3243-3dd4-4a8d-8c0d-dd76da1f02a5"/>
-  </ds:schemaRefs>
-</ds:datastoreItem>
 </file>